--- a/materials/PPT slides/03 EDABDC - Data Models - part 3.pptx
+++ b/materials/PPT slides/03 EDABDC - Data Models - part 3.pptx
@@ -34,20 +34,19 @@
     <p:sldId id="551" r:id="rId26"/>
     <p:sldId id="552" r:id="rId27"/>
     <p:sldId id="584" r:id="rId28"/>
-    <p:sldId id="585" r:id="rId29"/>
-    <p:sldId id="586" r:id="rId30"/>
+    <p:sldId id="586" r:id="rId29"/>
+    <p:sldId id="585" r:id="rId30"/>
     <p:sldId id="587" r:id="rId31"/>
-    <p:sldId id="555" r:id="rId32"/>
-    <p:sldId id="559" r:id="rId34"/>
-    <p:sldId id="597" r:id="rId35"/>
-    <p:sldId id="608" r:id="rId36"/>
-    <p:sldId id="564" r:id="rId37"/>
-    <p:sldId id="565" r:id="rId38"/>
-    <p:sldId id="581" r:id="rId39"/>
-    <p:sldId id="582" r:id="rId40"/>
-    <p:sldId id="554" r:id="rId41"/>
-    <p:sldId id="598" r:id="rId42"/>
-    <p:sldId id="264" r:id="rId43"/>
+    <p:sldId id="597" r:id="rId32"/>
+    <p:sldId id="608" r:id="rId34"/>
+    <p:sldId id="581" r:id="rId35"/>
+    <p:sldId id="582" r:id="rId36"/>
+    <p:sldId id="554" r:id="rId37"/>
+    <p:sldId id="598" r:id="rId38"/>
+    <p:sldId id="629" r:id="rId39"/>
+    <p:sldId id="630" r:id="rId40"/>
+    <p:sldId id="632" r:id="rId41"/>
+    <p:sldId id="264" r:id="rId42"/>
   </p:sldIdLst>
   <p:sldSz cx="12192000" cy="6858000"/>
   <p:notesSz cx="6858000" cy="9144000"/>
@@ -147,114 +146,6 @@
     </a:lvl9pPr>
   </p:defaultTextStyle>
 </p:presentation>
-</file>
-
-<file path=ppt/ink/ink1.xml><?xml version="1.0" encoding="utf-8"?>
-<inkml:ink xmlns:inkml="http://www.w3.org/2003/InkML">
-  <inkml:definitions>
-    <inkml:context xml:id="ctx0">
-      <inkml:inkSource xml:id="inkSrc0">
-        <inkml:traceFormat>
-          <inkml:channel name="X" type="integer" units="cm"/>
-          <inkml:channel name="Y" type="integer" units="cm"/>
-        </inkml:traceFormat>
-        <inkml:channelProperties>
-          <inkml:channelProperty channel="X" name="resolution" value="28.3464566929134" units="1/cm"/>
-          <inkml:channelProperty channel="Y" name="resolution" value="28.3464566929134" units="1/cm"/>
-        </inkml:channelProperties>
-      </inkml:inkSource>
-      <inkml:timestamp xml:id="ts0" timeString="2024-06-15T12:44:25"/>
-    </inkml:context>
-    <inkml:brush xml:id="br0">
-      <inkml:brushProperty name="width" value="0.05292" units="cm"/>
-      <inkml:brushProperty name="height" value="0.05292" units="cm"/>
-      <inkml:brushProperty name="color" value="#ff0000"/>
-      <inkml:brushProperty name="ignorePressure" value="0"/>
-    </inkml:brush>
-  </inkml:definitions>
-  <inkml:trace contextRef="#ctx0" brushRef="#br0">250.000 586.000,'38.000'0.000,"-35.000"0.000,4.000 0.000,-1.000 0.000,2.000 0.000,-5.000 0.000,7.000 0.000,-7.000 0.000,2.000 0.000,0.000 0.000,-2.000 0.000,3.000 0.000,-3.000 0.000,1.000 0.000,4.000 0.000,-5.000 0.000,0.000 0.000,0.000 0.000,0.000 0.000,1.000 0.000,-1.000-2.000,0.000 0.000,0.000 2.000,0.000 0.000,1.000 1.000,-1.000-1.000,0.000 0.000,0.000 0.000,0.000 0.000,1.000 0.000</inkml:trace>
-</inkml:ink>
-</file>
-
-<file path=ppt/ink/ink2.xml><?xml version="1.0" encoding="utf-8"?>
-<inkml:ink xmlns:inkml="http://www.w3.org/2003/InkML">
-  <inkml:definitions>
-    <inkml:context xml:id="ctx0">
-      <inkml:inkSource xml:id="inkSrc0">
-        <inkml:traceFormat>
-          <inkml:channel name="X" type="integer" units="cm"/>
-          <inkml:channel name="Y" type="integer" units="cm"/>
-        </inkml:traceFormat>
-        <inkml:channelProperties>
-          <inkml:channelProperty channel="X" name="resolution" value="28.3464566929134" units="1/cm"/>
-          <inkml:channelProperty channel="Y" name="resolution" value="28.3464566929134" units="1/cm"/>
-        </inkml:channelProperties>
-      </inkml:inkSource>
-      <inkml:timestamp xml:id="ts0" timeString="2024-06-15T12:44:25"/>
-    </inkml:context>
-    <inkml:brush xml:id="br0">
-      <inkml:brushProperty name="width" value="0.05292" units="cm"/>
-      <inkml:brushProperty name="height" value="0.05292" units="cm"/>
-      <inkml:brushProperty name="color" value="#ff0000"/>
-      <inkml:brushProperty name="ignorePressure" value="0"/>
-    </inkml:brush>
-  </inkml:definitions>
-  <inkml:trace contextRef="#ctx0" brushRef="#br0">501.000 586.000,'3.000'0.000,"0.000"0.000,0.000 0.000,1.000 0.000,-1.000 0.000,0.000 0.000,0.000 0.000,0.000 0.000,1.000 0.000,-1.000 0.000,0.000 0.000,0.000 0.000,0.000 0.000,1.000 0.000,-1.000 0.000,0.000 0.000,3.000 0.000,-2.000 0.000,-1.000 0.000,0.000 0.000,0.000 0.000,0.000 0.000,1.000 0.000,-1.000 0.000,0.000 0.000,0.000 0.000,0.000 0.000,1.000 0.000,-1.000 0.000,0.000 0.000,0.000 0.000,0.000 0.000,1.000 0.000</inkml:trace>
-</inkml:ink>
-</file>
-
-<file path=ppt/ink/ink3.xml><?xml version="1.0" encoding="utf-8"?>
-<inkml:ink xmlns:inkml="http://www.w3.org/2003/InkML">
-  <inkml:definitions>
-    <inkml:context xml:id="ctx0">
-      <inkml:inkSource xml:id="inkSrc0">
-        <inkml:traceFormat>
-          <inkml:channel name="X" type="integer" units="cm"/>
-          <inkml:channel name="Y" type="integer" units="cm"/>
-        </inkml:traceFormat>
-        <inkml:channelProperties>
-          <inkml:channelProperty channel="X" name="resolution" value="28.3464566929134" units="1/cm"/>
-          <inkml:channelProperty channel="Y" name="resolution" value="28.3464566929134" units="1/cm"/>
-        </inkml:channelProperties>
-      </inkml:inkSource>
-      <inkml:timestamp xml:id="ts0" timeString="2024-06-15T12:44:25"/>
-    </inkml:context>
-    <inkml:brush xml:id="br0">
-      <inkml:brushProperty name="width" value="0.05292" units="cm"/>
-      <inkml:brushProperty name="height" value="0.05292" units="cm"/>
-      <inkml:brushProperty name="color" value="#ff0000"/>
-      <inkml:brushProperty name="ignorePressure" value="0"/>
-    </inkml:brush>
-  </inkml:definitions>
-  <inkml:trace contextRef="#ctx0" brushRef="#br0">960.000 727.000,'3.000'0.000,"0.000"0.000,0.000 0.000,0.000 0.000,0.000 0.000,1.000 0.000,-1.000-2.000,0.000 2.000,0.000 0.000,2.000-1.000,-2.000 1.000,4.000 0.000,-4.000 0.000,1.000 0.000,-1.000 0.000,3.000 0.000,-3.000 0.000,1.000 0.000,2.000 0.000,-3.000 0.000,0.000 0.000,1.000 0.000,-1.000 0.000,0.000 0.000,0.000 0.000,0.000 0.000,1.000 0.000,-1.000 0.000,0.000 0.000,0.000 0.000,0.000 0.000,1.000 0.000,-1.000 0.000,0.000 0.000,0.000 0.000,0.000 0.000,1.000 0.000,-1.000 0.000,0.000 0.000,0.000 0.000,0.000 0.000,1.000-2.000,-1.000 2.000,0.000 0.000</inkml:trace>
-</inkml:ink>
-</file>
-
-<file path=ppt/ink/ink4.xml><?xml version="1.0" encoding="utf-8"?>
-<inkml:ink xmlns:inkml="http://www.w3.org/2003/InkML">
-  <inkml:definitions>
-    <inkml:context xml:id="ctx0">
-      <inkml:inkSource xml:id="inkSrc0">
-        <inkml:traceFormat>
-          <inkml:channel name="X" type="integer" units="cm"/>
-          <inkml:channel name="Y" type="integer" units="cm"/>
-        </inkml:traceFormat>
-        <inkml:channelProperties>
-          <inkml:channelProperty channel="X" name="resolution" value="28.3464566929134" units="1/cm"/>
-          <inkml:channelProperty channel="Y" name="resolution" value="28.3464566929134" units="1/cm"/>
-        </inkml:channelProperties>
-      </inkml:inkSource>
-      <inkml:timestamp xml:id="ts0" timeString="2024-06-15T12:44:25"/>
-    </inkml:context>
-    <inkml:brush xml:id="br0">
-      <inkml:brushProperty name="width" value="0.05292" units="cm"/>
-      <inkml:brushProperty name="height" value="0.05292" units="cm"/>
-      <inkml:brushProperty name="color" value="#ff0000"/>
-      <inkml:brushProperty name="ignorePressure" value="0"/>
-    </inkml:brush>
-  </inkml:definitions>
-  <inkml:trace contextRef="#ctx0" brushRef="#br0">1223.000 718.000,'4.000'0.000,"0.000"0.000,-1.000 0.000,0.000 0.000,0.000 0.000,0.000 0.000,1.000 0.000,-1.000 0.000,0.000 0.000,0.000 0.000,0.000 0.000,1.000 0.000,4.000 0.000,-5.000 0.000,0.000 0.000,0.000 0.000,0.000 0.000,1.000 0.000,0.000 0.000,0.000 0.000,-1.000 0.000,2.000 0.000,-2.000 0.000,2.000 0.000,-2.000 0.000,0.000 0.000,0.000 0.000,0.000 0.000,1.000 0.000,-1.000 0.000,0.000 0.000,0.000 0.000,0.000 0.000,1.000 0.000,-1.000 0.000,0.000 0.000,0.000 0.000,0.000 0.000,1.000 0.000,-1.000 0.000,0.000 0.000,0.000 0.000,0.000 0.000,1.000 0.000,-1.000 0.000,0.000 0.000,0.000 0.000,4.000 0.000,-4.000 0.000,3.000 0.000,-3.000 0.000,1.000 0.000,-1.000 0.000,0.000 0.000,0.000 0.000,0.000 0.000,1.000 0.000,-1.000 0.000,0.000 0.000,0.000 0.000,0.000-1.000,1.000 1.000,-1.000 0.000,2.000 0.000,-2.000 0.000,0.000 0.000,0.000 0.000,2.000 0.000,-2.000 0.000,0.000 0.000,1.000 0.000,-1.000 0.000,0.000 0.000,0.000 0.000</inkml:trace>
-</inkml:ink>
 </file>
 
 <file path=ppt/notesMasters/notesMaster1.xml><?xml version="1.0" encoding="utf-8"?>
@@ -653,54 +544,6 @@
 </file>
 
 <file path=ppt/notesSlides/notesSlide2.xml><?xml version="1.0" encoding="utf-8"?>
-<p:notes xmlns:a="http://schemas.openxmlformats.org/drawingml/2006/main" xmlns:r="http://schemas.openxmlformats.org/officeDocument/2006/relationships" xmlns:p="http://schemas.openxmlformats.org/presentationml/2006/main">
-  <p:cSld>
-    <p:spTree>
-      <p:nvGrpSpPr>
-        <p:cNvPr id="1" name=""/>
-        <p:cNvGrpSpPr/>
-        <p:nvPr/>
-      </p:nvGrpSpPr>
-      <p:grpSpPr/>
-      <p:sp>
-        <p:nvSpPr>
-          <p:cNvPr id="2" name="Slide Image Placeholder 1"/>
-          <p:cNvSpPr>
-            <a:spLocks noGrp="1"/>
-          </p:cNvSpPr>
-          <p:nvPr>
-            <p:ph type="sldImg" idx="2"/>
-          </p:nvPr>
-        </p:nvSpPr>
-        <p:spPr/>
-      </p:sp>
-      <p:sp>
-        <p:nvSpPr>
-          <p:cNvPr id="3" name="Text Placeholder 2"/>
-          <p:cNvSpPr>
-            <a:spLocks noGrp="1"/>
-          </p:cNvSpPr>
-          <p:nvPr>
-            <p:ph type="body" idx="3"/>
-          </p:nvPr>
-        </p:nvSpPr>
-        <p:spPr/>
-        <p:txBody>
-          <a:bodyPr/>
-          <a:p>
-            <a:endParaRPr lang="en-GB" altLang="en-US"/>
-          </a:p>
-        </p:txBody>
-      </p:sp>
-    </p:spTree>
-  </p:cSld>
-  <p:clrMapOvr>
-    <a:masterClrMapping/>
-  </p:clrMapOvr>
-</p:notes>
-</file>
-
-<file path=ppt/notesSlides/notesSlide3.xml><?xml version="1.0" encoding="utf-8"?>
 <p:notes xmlns:a="http://schemas.openxmlformats.org/drawingml/2006/main" xmlns:r="http://schemas.openxmlformats.org/officeDocument/2006/relationships" xmlns:p="http://schemas.openxmlformats.org/presentationml/2006/main">
   <p:cSld>
     <p:spTree>
@@ -5342,111 +5185,6 @@
         <p:txBody>
           <a:bodyPr/>
           <a:p>
-            <a:r>
-              <a:rPr lang="en-US">
-                <a:sym typeface="+mn-ea"/>
-              </a:rPr>
-              <a:t>Examples of Multi-Model Databases</a:t>
-            </a:r>
-            <a:endParaRPr lang="en-GB" altLang="en-US"/>
-          </a:p>
-        </p:txBody>
-      </p:sp>
-      <p:sp>
-        <p:nvSpPr>
-          <p:cNvPr id="3" name="Content Placeholder 2"/>
-          <p:cNvSpPr>
-            <a:spLocks noGrp="1"/>
-          </p:cNvSpPr>
-          <p:nvPr>
-            <p:ph idx="1"/>
-          </p:nvPr>
-        </p:nvSpPr>
-        <p:spPr/>
-        <p:txBody>
-          <a:bodyPr/>
-          <a:p>
-            <a:r>
-              <a:rPr lang="en-US">
-                <a:sym typeface="+mn-ea"/>
-              </a:rPr>
-              <a:t>Oracle Database: Supports relational, JSON, XML, and spatial data.</a:t>
-            </a:r>
-            <a:endParaRPr lang="en-US"/>
-          </a:p>
-          <a:p>
-            <a:r>
-              <a:rPr lang="en-US">
-                <a:sym typeface="+mn-ea"/>
-              </a:rPr>
-              <a:t>ArangoDB: A native multi-model database supporting graph, document, and key-value models.</a:t>
-            </a:r>
-            <a:endParaRPr lang="en-US"/>
-          </a:p>
-          <a:p>
-            <a:r>
-              <a:rPr lang="en-US">
-                <a:sym typeface="+mn-ea"/>
-              </a:rPr>
-              <a:t>Couchbase: Supports key-value, document (JSON), and SQL++ for querying.</a:t>
-            </a:r>
-            <a:endParaRPr lang="en-US"/>
-          </a:p>
-          <a:p>
-            <a:r>
-              <a:rPr lang="en-US">
-                <a:sym typeface="+mn-ea"/>
-              </a:rPr>
-              <a:t>MarkLogic: Designed for handling XML, JSON, RDF, and other data models.</a:t>
-            </a:r>
-            <a:endParaRPr lang="en-US"/>
-          </a:p>
-          <a:p>
-            <a:r>
-              <a:rPr lang="en-US">
-                <a:sym typeface="+mn-ea"/>
-              </a:rPr>
-              <a:t>OrientDB: Supports graph, document, object, and key-value models.</a:t>
-            </a:r>
-            <a:endParaRPr lang="en-US"/>
-          </a:p>
-          <a:p>
-            <a:endParaRPr lang="en-GB" altLang="en-US"/>
-          </a:p>
-        </p:txBody>
-      </p:sp>
-    </p:spTree>
-  </p:cSld>
-  <p:clrMapOvr>
-    <a:masterClrMapping/>
-  </p:clrMapOvr>
-</p:sld>
-</file>
-
-<file path=ppt/slides/slide28.xml><?xml version="1.0" encoding="utf-8"?>
-<p:sld xmlns:a="http://schemas.openxmlformats.org/drawingml/2006/main" xmlns:r="http://schemas.openxmlformats.org/officeDocument/2006/relationships" xmlns:p="http://schemas.openxmlformats.org/presentationml/2006/main">
-  <p:cSld>
-    <p:spTree>
-      <p:nvGrpSpPr>
-        <p:cNvPr id="1" name=""/>
-        <p:cNvGrpSpPr/>
-        <p:nvPr/>
-      </p:nvGrpSpPr>
-      <p:grpSpPr/>
-      <p:sp>
-        <p:nvSpPr>
-          <p:cNvPr id="2" name="Title 1"/>
-          <p:cNvSpPr>
-            <a:spLocks noGrp="1"/>
-          </p:cNvSpPr>
-          <p:nvPr>
-            <p:ph type="title"/>
-          </p:nvPr>
-        </p:nvSpPr>
-        <p:spPr/>
-        <p:txBody>
-          <a:bodyPr/>
-          <a:p>
             <a:endParaRPr lang="en-GB" altLang="en-US"/>
           </a:p>
         </p:txBody>
@@ -5501,6 +5239,122 @@
 </p:sld>
 </file>
 
+<file path=ppt/slides/slide28.xml><?xml version="1.0" encoding="utf-8"?>
+<p:sld xmlns:a="http://schemas.openxmlformats.org/drawingml/2006/main" xmlns:r="http://schemas.openxmlformats.org/officeDocument/2006/relationships" xmlns:p="http://schemas.openxmlformats.org/presentationml/2006/main">
+  <p:cSld>
+    <p:spTree>
+      <p:nvGrpSpPr>
+        <p:cNvPr id="1" name=""/>
+        <p:cNvGrpSpPr/>
+        <p:nvPr/>
+      </p:nvGrpSpPr>
+      <p:grpSpPr/>
+      <p:sp>
+        <p:nvSpPr>
+          <p:cNvPr id="2" name="Title 1"/>
+          <p:cNvSpPr>
+            <a:spLocks noGrp="1"/>
+          </p:cNvSpPr>
+          <p:nvPr>
+            <p:ph type="title"/>
+          </p:nvPr>
+        </p:nvSpPr>
+        <p:spPr/>
+        <p:txBody>
+          <a:bodyPr/>
+          <a:p>
+            <a:r>
+              <a:rPr lang="en-US">
+                <a:sym typeface="+mn-ea"/>
+              </a:rPr>
+              <a:t>Examples of Multi-Model Databases</a:t>
+            </a:r>
+            <a:endParaRPr lang="en-GB" altLang="en-US"/>
+          </a:p>
+        </p:txBody>
+      </p:sp>
+      <p:sp>
+        <p:nvSpPr>
+          <p:cNvPr id="3" name="Content Placeholder 2"/>
+          <p:cNvSpPr>
+            <a:spLocks noGrp="1"/>
+          </p:cNvSpPr>
+          <p:nvPr>
+            <p:ph idx="1"/>
+          </p:nvPr>
+        </p:nvSpPr>
+        <p:spPr/>
+        <p:txBody>
+          <a:bodyPr/>
+          <a:p>
+            <a:r>
+              <a:rPr lang="en-US">
+                <a:sym typeface="+mn-ea"/>
+              </a:rPr>
+              <a:t>Oracle Database: Supports relational, JSON, XML, and spatial data.</a:t>
+            </a:r>
+            <a:endParaRPr lang="en-US"/>
+          </a:p>
+          <a:p>
+            <a:r>
+              <a:rPr lang="en-US" altLang="en-GB">
+                <a:sym typeface="+mn-ea"/>
+              </a:rPr>
+              <a:t>PostgreSQL DB: Relational, graph, spacial, vector. </a:t>
+            </a:r>
+            <a:endParaRPr lang="en-US" altLang="en-GB">
+              <a:sym typeface="+mn-ea"/>
+            </a:endParaRPr>
+          </a:p>
+          <a:p>
+            <a:r>
+              <a:rPr lang="en-US">
+                <a:sym typeface="+mn-ea"/>
+              </a:rPr>
+              <a:t>ArangoDB: A native multi-model database supporting graph, document, and key-value models.</a:t>
+            </a:r>
+            <a:endParaRPr lang="en-US"/>
+          </a:p>
+          <a:p>
+            <a:r>
+              <a:rPr lang="en-US">
+                <a:sym typeface="+mn-ea"/>
+              </a:rPr>
+              <a:t>Couchbase: Supports key-value, document (JSON), and SQL++ for querying.</a:t>
+            </a:r>
+            <a:endParaRPr lang="en-US"/>
+          </a:p>
+          <a:p>
+            <a:r>
+              <a:rPr lang="en-US">
+                <a:sym typeface="+mn-ea"/>
+              </a:rPr>
+              <a:t>MarkLogic: Designed for handling XML, JSON, RDF, and other data models.</a:t>
+            </a:r>
+            <a:endParaRPr lang="en-US"/>
+          </a:p>
+          <a:p>
+            <a:r>
+              <a:rPr lang="en-US">
+                <a:sym typeface="+mn-ea"/>
+              </a:rPr>
+              <a:t>OrientDB: Supports graph, document, object, and key-value models.</a:t>
+            </a:r>
+            <a:endParaRPr lang="en-US"/>
+          </a:p>
+          <a:p>
+            <a:endParaRPr lang="en-GB" altLang="en-US"/>
+          </a:p>
+        </p:txBody>
+      </p:sp>
+    </p:spTree>
+  </p:cSld>
+  <p:clrMapOvr>
+    <a:masterClrMapping/>
+  </p:clrMapOvr>
+</p:sld>
+</file>
+
 <file path=ppt/slides/slide29.xml><?xml version="1.0" encoding="utf-8"?>
 <p:sld xmlns:a="http://schemas.openxmlformats.org/drawingml/2006/main" xmlns:r="http://schemas.openxmlformats.org/officeDocument/2006/relationships" xmlns:p="http://schemas.openxmlformats.org/presentationml/2006/main">
   <p:cSld>
@@ -5523,23 +5377,17 @@
         </p:nvSpPr>
         <p:spPr/>
         <p:txBody>
-          <a:bodyPr>
-            <a:normAutofit fontScale="90000"/>
-          </a:bodyPr>
-          <a:p>
-            <a:r>
-              <a:rPr lang="en-US">
+          <a:bodyPr/>
+          <a:p>
+            <a:r>
+              <a:rPr lang="en-US" sz="3200">
                 <a:sym typeface="+mn-ea"/>
               </a:rPr>
-              <a:t>Some </a:t>
-            </a:r>
-            <a:r>
-              <a:rPr lang="en-US">
-                <a:sym typeface="+mn-ea"/>
-              </a:rPr>
-              <a:t>Multi-Model Databases and supported data models </a:t>
-            </a:r>
-            <a:endParaRPr lang="en-GB" altLang="en-US"/>
+              <a:t>Some Multi-Model Databases and supported data models </a:t>
+            </a:r>
+            <a:endParaRPr lang="en-US" altLang="en-US" sz="3200">
+              <a:sym typeface="+mn-ea"/>
+            </a:endParaRPr>
           </a:p>
         </p:txBody>
       </p:sp>
@@ -5550,8 +5398,8 @@
           <p:nvPr/>
         </p:nvGraphicFramePr>
         <p:xfrm>
-          <a:off x="1386840" y="1836420"/>
-          <a:ext cx="9148445" cy="4110990"/>
+          <a:off x="1386840" y="1691005"/>
+          <a:ext cx="9148445" cy="4796155"/>
         </p:xfrm>
         <a:graphic>
           <a:graphicData uri="http://schemas.openxmlformats.org/drawingml/2006/table">
@@ -5783,6 +5631,134 @@
                         <a:t>Relational, JSON, XML, Spatial</a:t>
                       </a:r>
                       <a:endParaRPr lang="en-US" sz="2800" b="0">
+                        <a:solidFill>
+                          <a:srgbClr val="000000"/>
+                        </a:solidFill>
+                        <a:latin typeface="Calibri" panose="020F0502020204030204" charset="-122"/>
+                      </a:endParaRPr>
+                    </a:p>
+                  </a:txBody>
+                  <a:tcPr marL="12700" marR="12700" marT="12700" vert="horz" anchor="ctr" anchorCtr="0">
+                    <a:lnL w="6350" cap="flat" cmpd="sng">
+                      <a:solidFill>
+                        <a:srgbClr val="000000"/>
+                      </a:solidFill>
+                      <a:prstDash val="solid"/>
+                      <a:headEnd type="none" w="med" len="med"/>
+                      <a:tailEnd type="none" w="med" len="med"/>
+                    </a:lnL>
+                    <a:lnR w="6350" cap="flat" cmpd="sng">
+                      <a:solidFill>
+                        <a:srgbClr val="000000"/>
+                      </a:solidFill>
+                      <a:prstDash val="solid"/>
+                      <a:headEnd type="none" w="med" len="med"/>
+                      <a:tailEnd type="none" w="med" len="med"/>
+                    </a:lnR>
+                    <a:lnT w="6350" cap="flat" cmpd="sng">
+                      <a:solidFill>
+                        <a:srgbClr val="000000"/>
+                      </a:solidFill>
+                      <a:prstDash val="solid"/>
+                      <a:headEnd type="none" w="med" len="med"/>
+                      <a:tailEnd type="none" w="med" len="med"/>
+                    </a:lnT>
+                    <a:lnB w="6350" cap="flat" cmpd="sng">
+                      <a:solidFill>
+                        <a:srgbClr val="000000"/>
+                      </a:solidFill>
+                      <a:prstDash val="solid"/>
+                      <a:headEnd type="none" w="med" len="med"/>
+                      <a:tailEnd type="none" w="med" len="med"/>
+                    </a:lnB>
+                    <a:lnTlToBr>
+                      <a:noFill/>
+                    </a:lnTlToBr>
+                    <a:lnBlToTr>
+                      <a:noFill/>
+                    </a:lnBlToTr>
+                    <a:noFill/>
+                  </a:tcPr>
+                </a:tc>
+              </a:tr>
+              <a:tr h="685165">
+                <a:tc>
+                  <a:txBody>
+                    <a:bodyPr/>
+                    <a:p>
+                      <a:pPr indent="0">
+                        <a:buNone/>
+                      </a:pPr>
+                      <a:r>
+                        <a:rPr lang="en-US" altLang="en-GB" sz="2800">
+                          <a:sym typeface="+mn-ea"/>
+                        </a:rPr>
+                        <a:t>PostgreSQL </a:t>
+                      </a:r>
+                      <a:endParaRPr lang="en-US" altLang="en-US" sz="2800" b="0">
+                        <a:solidFill>
+                          <a:srgbClr val="000000"/>
+                        </a:solidFill>
+                        <a:latin typeface="Calibri" panose="020F0502020204030204" charset="-122"/>
+                      </a:endParaRPr>
+                    </a:p>
+                  </a:txBody>
+                  <a:tcPr marL="12700" marR="12700" marT="12700" vert="horz" anchor="ctr" anchorCtr="0">
+                    <a:lnL w="6350" cap="flat" cmpd="sng">
+                      <a:solidFill>
+                        <a:srgbClr val="000000"/>
+                      </a:solidFill>
+                      <a:prstDash val="solid"/>
+                      <a:headEnd type="none" w="med" len="med"/>
+                      <a:tailEnd type="none" w="med" len="med"/>
+                    </a:lnL>
+                    <a:lnR w="6350" cap="flat" cmpd="sng">
+                      <a:solidFill>
+                        <a:srgbClr val="000000"/>
+                      </a:solidFill>
+                      <a:prstDash val="solid"/>
+                      <a:headEnd type="none" w="med" len="med"/>
+                      <a:tailEnd type="none" w="med" len="med"/>
+                    </a:lnR>
+                    <a:lnT w="6350" cap="flat" cmpd="sng">
+                      <a:solidFill>
+                        <a:srgbClr val="000000"/>
+                      </a:solidFill>
+                      <a:prstDash val="solid"/>
+                      <a:headEnd type="none" w="med" len="med"/>
+                      <a:tailEnd type="none" w="med" len="med"/>
+                    </a:lnT>
+                    <a:lnB w="6350" cap="flat" cmpd="sng">
+                      <a:solidFill>
+                        <a:srgbClr val="000000"/>
+                      </a:solidFill>
+                      <a:prstDash val="solid"/>
+                      <a:headEnd type="none" w="med" len="med"/>
+                      <a:tailEnd type="none" w="med" len="med"/>
+                    </a:lnB>
+                    <a:lnTlToBr>
+                      <a:noFill/>
+                    </a:lnTlToBr>
+                    <a:lnBlToTr>
+                      <a:noFill/>
+                    </a:lnBlToTr>
+                    <a:noFill/>
+                  </a:tcPr>
+                </a:tc>
+                <a:tc>
+                  <a:txBody>
+                    <a:bodyPr/>
+                    <a:p>
+                      <a:pPr indent="0">
+                        <a:buNone/>
+                      </a:pPr>
+                      <a:r>
+                        <a:rPr lang="en-US" altLang="en-GB" sz="2800">
+                          <a:sym typeface="+mn-ea"/>
+                        </a:rPr>
+                        <a:t>Relational, graph, spacial, vector</a:t>
+                      </a:r>
+                      <a:endParaRPr lang="en-US" altLang="en-US" sz="2800" b="0">
                         <a:solidFill>
                           <a:srgbClr val="000000"/>
                         </a:solidFill>
@@ -6474,1148 +6450,6 @@
         <p:txBody>
           <a:bodyPr/>
           <a:p>
-            <a:r>
-              <a:rPr lang="en-US">
-                <a:sym typeface="+mn-ea"/>
-              </a:rPr>
-              <a:t>Examples of Multi-Model Databases</a:t>
-            </a:r>
-            <a:endParaRPr lang="en-US"/>
-          </a:p>
-        </p:txBody>
-      </p:sp>
-      <p:sp>
-        <p:nvSpPr>
-          <p:cNvPr id="3" name="Content Placeholder 2"/>
-          <p:cNvSpPr>
-            <a:spLocks noGrp="1"/>
-          </p:cNvSpPr>
-          <p:nvPr>
-            <p:ph idx="1"/>
-          </p:nvPr>
-        </p:nvSpPr>
-        <p:spPr/>
-        <p:txBody>
-          <a:bodyPr/>
-          <a:p>
-            <a:r>
-              <a:rPr lang="en-US"/>
-              <a:t>Azure Cosmos DB</a:t>
-            </a:r>
-            <a:endParaRPr lang="en-US"/>
-          </a:p>
-          <a:p>
-            <a:pPr lvl="1"/>
-            <a:r>
-              <a:rPr lang="en-US"/>
-              <a:t>Overview: Azure Cosmos DB is a globally distributed, multi-model database service.</a:t>
-            </a:r>
-            <a:endParaRPr lang="en-US"/>
-          </a:p>
-          <a:p>
-            <a:pPr lvl="1"/>
-            <a:r>
-              <a:rPr lang="en-US"/>
-              <a:t>Supported Models: It supports multiple data models, including document, key-value, graph, and column-family.</a:t>
-            </a:r>
-            <a:endParaRPr lang="en-US"/>
-          </a:p>
-          <a:p>
-            <a:pPr lvl="0"/>
-            <a:r>
-              <a:rPr lang="en-US"/>
-              <a:t>Amazon DynamoDB</a:t>
-            </a:r>
-            <a:endParaRPr lang="en-US"/>
-          </a:p>
-          <a:p>
-            <a:pPr lvl="1"/>
-            <a:r>
-              <a:rPr lang="en-US"/>
-              <a:t>Overview: Amazon DynamoDB is a key-value and document database that delivers single-digit millisecond performance at any scale.</a:t>
-            </a:r>
-            <a:endParaRPr lang="en-US"/>
-          </a:p>
-          <a:p>
-            <a:pPr lvl="1"/>
-            <a:r>
-              <a:rPr lang="en-US"/>
-              <a:t>Supported Models: Primarily supports key-value and document data models.</a:t>
-            </a:r>
-            <a:endParaRPr lang="en-US"/>
-          </a:p>
-        </p:txBody>
-      </p:sp>
-      <mc:AlternateContent xmlns:mc="http://schemas.openxmlformats.org/markup-compatibility/2006" xmlns:p14="http://schemas.microsoft.com/office/powerpoint/2010/main">
-        <mc:Choice Requires="p14">
-          <p:contentPart r:id="rId1" p14:bwMode="auto">
-            <p14:nvContentPartPr>
-              <p14:cNvPr id="5" name="Ink 4"/>
-              <p14:cNvContentPartPr/>
-              <p14:nvPr/>
-            </p14:nvContentPartPr>
-            <p14:xfrm>
-              <a:off x="1587500" y="3695700"/>
-              <a:ext cx="1016000" cy="25400"/>
-            </p14:xfrm>
-          </p:contentPart>
-        </mc:Choice>
-        <mc:Fallback xmlns="">
-          <p:pic>
-            <p:nvPicPr>
-              <p:cNvPr id="5" name="Ink 4"/>
-            </p:nvPicPr>
-            <p:blipFill>
-              <a:blip r:embed="rId2"/>
-            </p:blipFill>
-            <p:spPr>
-              <a:xfrm>
-                <a:off x="1587500" y="3695700"/>
-                <a:ext cx="1016000" cy="25400"/>
-              </a:xfrm>
-              <a:prstGeom prst="rect"/>
-            </p:spPr>
-          </p:pic>
-        </mc:Fallback>
-      </mc:AlternateContent>
-      <mc:AlternateContent xmlns:mc="http://schemas.openxmlformats.org/markup-compatibility/2006" xmlns:p14="http://schemas.microsoft.com/office/powerpoint/2010/main">
-        <mc:Choice Requires="p14">
-          <p:contentPart r:id="rId3" p14:bwMode="auto">
-            <p14:nvContentPartPr>
-              <p14:cNvPr id="6" name="Ink 5"/>
-              <p14:cNvContentPartPr/>
-              <p14:nvPr/>
-            </p14:nvContentPartPr>
-            <p14:xfrm>
-              <a:off x="3181350" y="3721100"/>
-              <a:ext cx="692150" cy="360"/>
-            </p14:xfrm>
-          </p:contentPart>
-        </mc:Choice>
-        <mc:Fallback xmlns="">
-          <p:pic>
-            <p:nvPicPr>
-              <p:cNvPr id="6" name="Ink 5"/>
-            </p:nvPicPr>
-            <p:blipFill>
-              <a:blip r:embed="rId4"/>
-            </p:blipFill>
-            <p:spPr>
-              <a:xfrm>
-                <a:off x="3181350" y="3721100"/>
-                <a:ext cx="692150" cy="360"/>
-              </a:xfrm>
-              <a:prstGeom prst="rect"/>
-            </p:spPr>
-          </p:pic>
-        </mc:Fallback>
-      </mc:AlternateContent>
-      <mc:AlternateContent xmlns:mc="http://schemas.openxmlformats.org/markup-compatibility/2006" xmlns:p14="http://schemas.microsoft.com/office/powerpoint/2010/main">
-        <mc:Choice Requires="p14">
-          <p:contentPart r:id="rId5" p14:bwMode="auto">
-            <p14:nvContentPartPr>
-              <p14:cNvPr id="8" name="Ink 7"/>
-              <p14:cNvContentPartPr/>
-              <p14:nvPr/>
-            </p14:nvContentPartPr>
-            <p14:xfrm>
-              <a:off x="6096000" y="4584700"/>
-              <a:ext cx="965200" cy="31750"/>
-            </p14:xfrm>
-          </p:contentPart>
-        </mc:Choice>
-        <mc:Fallback xmlns="">
-          <p:pic>
-            <p:nvPicPr>
-              <p:cNvPr id="8" name="Ink 7"/>
-            </p:nvPicPr>
-            <p:blipFill>
-              <a:blip r:embed="rId6"/>
-            </p:blipFill>
-            <p:spPr>
-              <a:xfrm>
-                <a:off x="6096000" y="4584700"/>
-                <a:ext cx="965200" cy="31750"/>
-              </a:xfrm>
-              <a:prstGeom prst="rect"/>
-            </p:spPr>
-          </p:pic>
-        </mc:Fallback>
-      </mc:AlternateContent>
-      <mc:AlternateContent xmlns:mc="http://schemas.openxmlformats.org/markup-compatibility/2006" xmlns:p14="http://schemas.microsoft.com/office/powerpoint/2010/main">
-        <mc:Choice Requires="p14">
-          <p:contentPart r:id="rId7" p14:bwMode="auto">
-            <p14:nvContentPartPr>
-              <p14:cNvPr id="9" name="Ink 8"/>
-              <p14:cNvContentPartPr/>
-              <p14:nvPr/>
-            </p14:nvContentPartPr>
-            <p14:xfrm>
-              <a:off x="7766050" y="4552950"/>
-              <a:ext cx="1631950" cy="6350"/>
-            </p14:xfrm>
-          </p:contentPart>
-        </mc:Choice>
-        <mc:Fallback xmlns="">
-          <p:pic>
-            <p:nvPicPr>
-              <p:cNvPr id="9" name="Ink 8"/>
-            </p:nvPicPr>
-            <p:blipFill>
-              <a:blip r:embed="rId8"/>
-            </p:blipFill>
-            <p:spPr>
-              <a:xfrm>
-                <a:off x="7766050" y="4552950"/>
-                <a:ext cx="1631950" cy="6350"/>
-              </a:xfrm>
-              <a:prstGeom prst="rect"/>
-            </p:spPr>
-          </p:pic>
-        </mc:Fallback>
-      </mc:AlternateContent>
-    </p:spTree>
-  </p:cSld>
-  <p:clrMapOvr>
-    <a:masterClrMapping/>
-  </p:clrMapOvr>
-</p:sld>
-</file>
-
-<file path=ppt/slides/slide31.xml><?xml version="1.0" encoding="utf-8"?>
-<p:sld xmlns:a="http://schemas.openxmlformats.org/drawingml/2006/main" xmlns:r="http://schemas.openxmlformats.org/officeDocument/2006/relationships" xmlns:p="http://schemas.openxmlformats.org/presentationml/2006/main">
-  <p:cSld>
-    <p:spTree>
-      <p:nvGrpSpPr>
-        <p:cNvPr id="1" name=""/>
-        <p:cNvGrpSpPr/>
-        <p:nvPr/>
-      </p:nvGrpSpPr>
-      <p:grpSpPr/>
-      <p:sp>
-        <p:nvSpPr>
-          <p:cNvPr id="2" name="Title 1"/>
-          <p:cNvSpPr>
-            <a:spLocks noGrp="1"/>
-          </p:cNvSpPr>
-          <p:nvPr>
-            <p:ph type="title"/>
-          </p:nvPr>
-        </p:nvSpPr>
-        <p:spPr/>
-        <p:txBody>
-          <a:bodyPr>
-            <a:normAutofit fontScale="90000"/>
-          </a:bodyPr>
-          <a:p>
-            <a:r>
-              <a:rPr lang="en-US">
-                <a:sym typeface="+mn-ea"/>
-              </a:rPr>
-              <a:t>Azure and AWS Multi-Model Databases and supported data models </a:t>
-            </a:r>
-            <a:endParaRPr lang="en-US"/>
-          </a:p>
-        </p:txBody>
-      </p:sp>
-      <p:graphicFrame>
-        <p:nvGraphicFramePr>
-          <p:cNvPr id="4" name="Table 3"/>
-          <p:cNvGraphicFramePr/>
-          <p:nvPr/>
-        </p:nvGraphicFramePr>
-        <p:xfrm>
-          <a:off x="668655" y="2465070"/>
-          <a:ext cx="10980420" cy="3505200"/>
-        </p:xfrm>
-        <a:graphic>
-          <a:graphicData uri="http://schemas.openxmlformats.org/drawingml/2006/table">
-            <a:tbl>
-              <a:tblPr/>
-              <a:tblGrid>
-                <a:gridCol w="1218077"/>
-                <a:gridCol w="2057335"/>
-                <a:gridCol w="3852504"/>
-                <a:gridCol w="3852504"/>
-              </a:tblGrid>
-              <a:tr h="1168400">
-                <a:tc>
-                  <a:txBody>
-                    <a:bodyPr/>
-                    <a:p>
-                      <a:pPr indent="0">
-                        <a:buNone/>
-                      </a:pPr>
-                      <a:r>
-                        <a:rPr lang="en-US" sz="2000" b="1">
-                          <a:solidFill>
-                            <a:srgbClr val="000000"/>
-                          </a:solidFill>
-                          <a:latin typeface="Calibri" panose="020F0502020204030204" charset="-122"/>
-                        </a:rPr>
-                        <a:t>Service Name</a:t>
-                      </a:r>
-                      <a:endParaRPr lang="en-US" sz="2000" b="1">
-                        <a:solidFill>
-                          <a:srgbClr val="000000"/>
-                        </a:solidFill>
-                        <a:latin typeface="Calibri" panose="020F0502020204030204" charset="-122"/>
-                      </a:endParaRPr>
-                    </a:p>
-                  </a:txBody>
-                  <a:tcPr marL="12700" marR="12700" marT="12700" vert="horz" anchor="ctr" anchorCtr="0">
-                    <a:lnL w="6350" cap="flat" cmpd="sng">
-                      <a:solidFill>
-                        <a:srgbClr val="000000"/>
-                      </a:solidFill>
-                      <a:prstDash val="solid"/>
-                      <a:headEnd type="none" w="med" len="med"/>
-                      <a:tailEnd type="none" w="med" len="med"/>
-                    </a:lnL>
-                    <a:lnR w="6350" cap="flat" cmpd="sng">
-                      <a:solidFill>
-                        <a:srgbClr val="000000"/>
-                      </a:solidFill>
-                      <a:prstDash val="solid"/>
-                      <a:headEnd type="none" w="med" len="med"/>
-                      <a:tailEnd type="none" w="med" len="med"/>
-                    </a:lnR>
-                    <a:lnT w="6350" cap="flat" cmpd="sng">
-                      <a:solidFill>
-                        <a:srgbClr val="000000"/>
-                      </a:solidFill>
-                      <a:prstDash val="solid"/>
-                      <a:headEnd type="none" w="med" len="med"/>
-                      <a:tailEnd type="none" w="med" len="med"/>
-                    </a:lnT>
-                    <a:lnB w="6350" cap="flat" cmpd="sng">
-                      <a:solidFill>
-                        <a:srgbClr val="000000"/>
-                      </a:solidFill>
-                      <a:prstDash val="solid"/>
-                      <a:headEnd type="none" w="med" len="med"/>
-                      <a:tailEnd type="none" w="med" len="med"/>
-                    </a:lnB>
-                    <a:lnTlToBr>
-                      <a:noFill/>
-                    </a:lnTlToBr>
-                    <a:lnBlToTr>
-                      <a:noFill/>
-                    </a:lnBlToTr>
-                    <a:solidFill>
-                      <a:srgbClr val="BFBFBF"/>
-                    </a:solidFill>
-                  </a:tcPr>
-                </a:tc>
-                <a:tc>
-                  <a:txBody>
-                    <a:bodyPr/>
-                    <a:p>
-                      <a:pPr indent="0">
-                        <a:buNone/>
-                      </a:pPr>
-                      <a:r>
-                        <a:rPr lang="en-US" sz="2000" b="1">
-                          <a:solidFill>
-                            <a:srgbClr val="000000"/>
-                          </a:solidFill>
-                          <a:latin typeface="Calibri" panose="020F0502020204030204" charset="-122"/>
-                        </a:rPr>
-                        <a:t>Supported Data Models</a:t>
-                      </a:r>
-                      <a:endParaRPr lang="en-US" sz="2000" b="1">
-                        <a:solidFill>
-                          <a:srgbClr val="000000"/>
-                        </a:solidFill>
-                        <a:latin typeface="Calibri" panose="020F0502020204030204" charset="-122"/>
-                      </a:endParaRPr>
-                    </a:p>
-                  </a:txBody>
-                  <a:tcPr marL="12700" marR="12700" marT="12700" vert="horz" anchor="ctr" anchorCtr="0">
-                    <a:lnL w="6350" cap="flat" cmpd="sng">
-                      <a:solidFill>
-                        <a:srgbClr val="000000"/>
-                      </a:solidFill>
-                      <a:prstDash val="solid"/>
-                      <a:headEnd type="none" w="med" len="med"/>
-                      <a:tailEnd type="none" w="med" len="med"/>
-                    </a:lnL>
-                    <a:lnR w="6350" cap="flat" cmpd="sng">
-                      <a:solidFill>
-                        <a:srgbClr val="000000"/>
-                      </a:solidFill>
-                      <a:prstDash val="solid"/>
-                      <a:headEnd type="none" w="med" len="med"/>
-                      <a:tailEnd type="none" w="med" len="med"/>
-                    </a:lnR>
-                    <a:lnT w="6350" cap="flat" cmpd="sng">
-                      <a:solidFill>
-                        <a:srgbClr val="000000"/>
-                      </a:solidFill>
-                      <a:prstDash val="solid"/>
-                      <a:headEnd type="none" w="med" len="med"/>
-                      <a:tailEnd type="none" w="med" len="med"/>
-                    </a:lnT>
-                    <a:lnB w="6350" cap="flat" cmpd="sng">
-                      <a:solidFill>
-                        <a:srgbClr val="000000"/>
-                      </a:solidFill>
-                      <a:prstDash val="solid"/>
-                      <a:headEnd type="none" w="med" len="med"/>
-                      <a:tailEnd type="none" w="med" len="med"/>
-                    </a:lnB>
-                    <a:lnTlToBr>
-                      <a:noFill/>
-                    </a:lnTlToBr>
-                    <a:lnBlToTr>
-                      <a:noFill/>
-                    </a:lnBlToTr>
-                    <a:solidFill>
-                      <a:srgbClr val="BFBFBF"/>
-                    </a:solidFill>
-                  </a:tcPr>
-                </a:tc>
-                <a:tc>
-                  <a:txBody>
-                    <a:bodyPr/>
-                    <a:p>
-                      <a:pPr indent="0">
-                        <a:buNone/>
-                      </a:pPr>
-                      <a:r>
-                        <a:rPr lang="en-US" sz="2000" b="1">
-                          <a:solidFill>
-                            <a:srgbClr val="000000"/>
-                          </a:solidFill>
-                          <a:latin typeface="Calibri" panose="020F0502020204030204" charset="-122"/>
-                        </a:rPr>
-                        <a:t>Supported Data Models</a:t>
-                      </a:r>
-                      <a:endParaRPr lang="en-US" sz="2000" b="1">
-                        <a:solidFill>
-                          <a:srgbClr val="000000"/>
-                        </a:solidFill>
-                        <a:latin typeface="Calibri" panose="020F0502020204030204" charset="-122"/>
-                      </a:endParaRPr>
-                    </a:p>
-                  </a:txBody>
-                  <a:tcPr marL="12700" marR="12700" marT="12700" vert="horz" anchor="ctr" anchorCtr="0">
-                    <a:lnL w="6350" cap="flat" cmpd="sng">
-                      <a:solidFill>
-                        <a:srgbClr val="000000"/>
-                      </a:solidFill>
-                      <a:prstDash val="solid"/>
-                      <a:headEnd type="none" w="med" len="med"/>
-                      <a:tailEnd type="none" w="med" len="med"/>
-                    </a:lnL>
-                    <a:lnR w="6350" cap="flat" cmpd="sng">
-                      <a:solidFill>
-                        <a:srgbClr val="000000"/>
-                      </a:solidFill>
-                      <a:prstDash val="solid"/>
-                      <a:headEnd type="none" w="med" len="med"/>
-                      <a:tailEnd type="none" w="med" len="med"/>
-                    </a:lnR>
-                    <a:lnT w="6350" cap="flat" cmpd="sng">
-                      <a:solidFill>
-                        <a:srgbClr val="000000"/>
-                      </a:solidFill>
-                      <a:prstDash val="solid"/>
-                      <a:headEnd type="none" w="med" len="med"/>
-                      <a:tailEnd type="none" w="med" len="med"/>
-                    </a:lnT>
-                    <a:lnB w="6350" cap="flat" cmpd="sng">
-                      <a:solidFill>
-                        <a:srgbClr val="000000"/>
-                      </a:solidFill>
-                      <a:prstDash val="solid"/>
-                      <a:headEnd type="none" w="med" len="med"/>
-                      <a:tailEnd type="none" w="med" len="med"/>
-                    </a:lnB>
-                    <a:lnTlToBr>
-                      <a:noFill/>
-                    </a:lnTlToBr>
-                    <a:lnBlToTr>
-                      <a:noFill/>
-                    </a:lnBlToTr>
-                    <a:solidFill>
-                      <a:srgbClr val="BFBFBF"/>
-                    </a:solidFill>
-                  </a:tcPr>
-                </a:tc>
-                <a:tc>
-                  <a:txBody>
-                    <a:bodyPr/>
-                    <a:p>
-                      <a:pPr indent="0">
-                        <a:buNone/>
-                      </a:pPr>
-                      <a:r>
-                        <a:rPr lang="en-US" sz="2000" b="1">
-                          <a:solidFill>
-                            <a:srgbClr val="000000"/>
-                          </a:solidFill>
-                          <a:latin typeface="Calibri" panose="020F0502020204030204" charset="-122"/>
-                          <a:sym typeface="+mn-ea"/>
-                        </a:rPr>
-                        <a:t>Use Cases</a:t>
-                      </a:r>
-                      <a:endParaRPr lang="en-US" sz="2000" b="1">
-                        <a:solidFill>
-                          <a:srgbClr val="000000"/>
-                        </a:solidFill>
-                        <a:latin typeface="Calibri" panose="020F0502020204030204" charset="-122"/>
-                      </a:endParaRPr>
-                    </a:p>
-                    <a:p>
-                      <a:pPr indent="0">
-                        <a:buNone/>
-                      </a:pPr>
-                      <a:endParaRPr lang="en-US" sz="2000" b="1">
-                        <a:solidFill>
-                          <a:srgbClr val="000000"/>
-                        </a:solidFill>
-                        <a:latin typeface="Calibri" panose="020F0502020204030204" charset="-122"/>
-                      </a:endParaRPr>
-                    </a:p>
-                  </a:txBody>
-                  <a:tcPr marL="12700" marR="12700" marT="12700" vert="horz" anchor="ctr" anchorCtr="0">
-                    <a:lnL w="6350" cap="flat" cmpd="sng">
-                      <a:solidFill>
-                        <a:srgbClr val="000000"/>
-                      </a:solidFill>
-                      <a:prstDash val="solid"/>
-                      <a:headEnd type="none" w="med" len="med"/>
-                      <a:tailEnd type="none" w="med" len="med"/>
-                    </a:lnL>
-                    <a:lnR w="6350" cap="flat" cmpd="sng">
-                      <a:solidFill>
-                        <a:srgbClr val="000000"/>
-                      </a:solidFill>
-                      <a:prstDash val="solid"/>
-                      <a:headEnd type="none" w="med" len="med"/>
-                      <a:tailEnd type="none" w="med" len="med"/>
-                    </a:lnR>
-                    <a:lnT w="6350" cap="flat" cmpd="sng">
-                      <a:solidFill>
-                        <a:srgbClr val="000000"/>
-                      </a:solidFill>
-                      <a:prstDash val="solid"/>
-                      <a:headEnd type="none" w="med" len="med"/>
-                      <a:tailEnd type="none" w="med" len="med"/>
-                    </a:lnT>
-                    <a:lnB w="6350" cap="flat" cmpd="sng">
-                      <a:solidFill>
-                        <a:srgbClr val="000000"/>
-                      </a:solidFill>
-                      <a:prstDash val="solid"/>
-                      <a:headEnd type="none" w="med" len="med"/>
-                      <a:tailEnd type="none" w="med" len="med"/>
-                    </a:lnB>
-                    <a:lnTlToBr>
-                      <a:noFill/>
-                    </a:lnTlToBr>
-                    <a:lnBlToTr>
-                      <a:noFill/>
-                    </a:lnBlToTr>
-                    <a:solidFill>
-                      <a:srgbClr val="BFBFBF"/>
-                    </a:solidFill>
-                  </a:tcPr>
-                </a:tc>
-              </a:tr>
-              <a:tr h="1168400">
-                <a:tc>
-                  <a:txBody>
-                    <a:bodyPr/>
-                    <a:p>
-                      <a:pPr indent="0">
-                        <a:buNone/>
-                      </a:pPr>
-                      <a:r>
-                        <a:rPr lang="en-US" sz="2000" b="0">
-                          <a:solidFill>
-                            <a:srgbClr val="000000"/>
-                          </a:solidFill>
-                          <a:latin typeface="Calibri" panose="020F0502020204030204" charset="-122"/>
-                        </a:rPr>
-                        <a:t>Azure</a:t>
-                      </a:r>
-                      <a:endParaRPr lang="en-US" sz="2000" b="0">
-                        <a:solidFill>
-                          <a:srgbClr val="000000"/>
-                        </a:solidFill>
-                        <a:latin typeface="Calibri" panose="020F0502020204030204" charset="-122"/>
-                      </a:endParaRPr>
-                    </a:p>
-                  </a:txBody>
-                  <a:tcPr marL="12700" marR="12700" marT="12700" vert="horz" anchor="ctr" anchorCtr="0">
-                    <a:lnL w="6350" cap="flat" cmpd="sng">
-                      <a:solidFill>
-                        <a:srgbClr val="000000"/>
-                      </a:solidFill>
-                      <a:prstDash val="solid"/>
-                      <a:headEnd type="none" w="med" len="med"/>
-                      <a:tailEnd type="none" w="med" len="med"/>
-                    </a:lnL>
-                    <a:lnR w="6350" cap="flat" cmpd="sng">
-                      <a:solidFill>
-                        <a:srgbClr val="000000"/>
-                      </a:solidFill>
-                      <a:prstDash val="solid"/>
-                      <a:headEnd type="none" w="med" len="med"/>
-                      <a:tailEnd type="none" w="med" len="med"/>
-                    </a:lnR>
-                    <a:lnT w="6350" cap="flat" cmpd="sng">
-                      <a:solidFill>
-                        <a:srgbClr val="000000"/>
-                      </a:solidFill>
-                      <a:prstDash val="solid"/>
-                      <a:headEnd type="none" w="med" len="med"/>
-                      <a:tailEnd type="none" w="med" len="med"/>
-                    </a:lnT>
-                    <a:lnB w="6350" cap="flat" cmpd="sng">
-                      <a:solidFill>
-                        <a:srgbClr val="000000"/>
-                      </a:solidFill>
-                      <a:prstDash val="solid"/>
-                      <a:headEnd type="none" w="med" len="med"/>
-                      <a:tailEnd type="none" w="med" len="med"/>
-                    </a:lnB>
-                    <a:lnTlToBr>
-                      <a:noFill/>
-                    </a:lnTlToBr>
-                    <a:lnBlToTr>
-                      <a:noFill/>
-                    </a:lnBlToTr>
-                    <a:noFill/>
-                  </a:tcPr>
-                </a:tc>
-                <a:tc>
-                  <a:txBody>
-                    <a:bodyPr/>
-                    <a:p>
-                      <a:pPr indent="0">
-                        <a:buNone/>
-                      </a:pPr>
-                      <a:r>
-                        <a:rPr lang="en-US" sz="2000" b="0">
-                          <a:solidFill>
-                            <a:srgbClr val="000000"/>
-                          </a:solidFill>
-                          <a:latin typeface="Calibri" panose="020F0502020204030204" charset="-122"/>
-                        </a:rPr>
-                        <a:t>Azure Cosmos DB</a:t>
-                      </a:r>
-                      <a:endParaRPr lang="en-US" sz="2000" b="0">
-                        <a:solidFill>
-                          <a:srgbClr val="000000"/>
-                        </a:solidFill>
-                        <a:latin typeface="Calibri" panose="020F0502020204030204" charset="-122"/>
-                      </a:endParaRPr>
-                    </a:p>
-                  </a:txBody>
-                  <a:tcPr marL="12700" marR="12700" marT="12700" vert="horz" anchor="ctr" anchorCtr="0">
-                    <a:lnL w="6350" cap="flat" cmpd="sng">
-                      <a:solidFill>
-                        <a:srgbClr val="000000"/>
-                      </a:solidFill>
-                      <a:prstDash val="solid"/>
-                      <a:headEnd type="none" w="med" len="med"/>
-                      <a:tailEnd type="none" w="med" len="med"/>
-                    </a:lnL>
-                    <a:lnR w="6350" cap="flat" cmpd="sng">
-                      <a:solidFill>
-                        <a:srgbClr val="000000"/>
-                      </a:solidFill>
-                      <a:prstDash val="solid"/>
-                      <a:headEnd type="none" w="med" len="med"/>
-                      <a:tailEnd type="none" w="med" len="med"/>
-                    </a:lnR>
-                    <a:lnT w="6350" cap="flat" cmpd="sng">
-                      <a:solidFill>
-                        <a:srgbClr val="000000"/>
-                      </a:solidFill>
-                      <a:prstDash val="solid"/>
-                      <a:headEnd type="none" w="med" len="med"/>
-                      <a:tailEnd type="none" w="med" len="med"/>
-                    </a:lnT>
-                    <a:lnB w="6350" cap="flat" cmpd="sng">
-                      <a:solidFill>
-                        <a:srgbClr val="000000"/>
-                      </a:solidFill>
-                      <a:prstDash val="solid"/>
-                      <a:headEnd type="none" w="med" len="med"/>
-                      <a:tailEnd type="none" w="med" len="med"/>
-                    </a:lnB>
-                    <a:lnTlToBr>
-                      <a:noFill/>
-                    </a:lnTlToBr>
-                    <a:lnBlToTr>
-                      <a:noFill/>
-                    </a:lnBlToTr>
-                    <a:noFill/>
-                  </a:tcPr>
-                </a:tc>
-                <a:tc>
-                  <a:txBody>
-                    <a:bodyPr/>
-                    <a:p>
-                      <a:pPr indent="0">
-                        <a:buNone/>
-                      </a:pPr>
-                      <a:r>
-                        <a:rPr lang="en-US" sz="2000" b="0">
-                          <a:solidFill>
-                            <a:srgbClr val="000000"/>
-                          </a:solidFill>
-                          <a:latin typeface="Calibri" panose="020F0502020204030204" charset="-122"/>
-                        </a:rPr>
-                        <a:t>Document, Key-Value, Graph, Column-Family</a:t>
-                      </a:r>
-                      <a:endParaRPr lang="en-US" sz="2000" b="0">
-                        <a:solidFill>
-                          <a:srgbClr val="000000"/>
-                        </a:solidFill>
-                        <a:latin typeface="Calibri" panose="020F0502020204030204" charset="-122"/>
-                      </a:endParaRPr>
-                    </a:p>
-                  </a:txBody>
-                  <a:tcPr marL="12700" marR="12700" marT="12700" vert="horz" anchor="ctr" anchorCtr="0">
-                    <a:lnL w="6350" cap="flat" cmpd="sng">
-                      <a:solidFill>
-                        <a:srgbClr val="000000"/>
-                      </a:solidFill>
-                      <a:prstDash val="solid"/>
-                      <a:headEnd type="none" w="med" len="med"/>
-                      <a:tailEnd type="none" w="med" len="med"/>
-                    </a:lnL>
-                    <a:lnR w="6350" cap="flat" cmpd="sng">
-                      <a:solidFill>
-                        <a:srgbClr val="000000"/>
-                      </a:solidFill>
-                      <a:prstDash val="solid"/>
-                      <a:headEnd type="none" w="med" len="med"/>
-                      <a:tailEnd type="none" w="med" len="med"/>
-                    </a:lnR>
-                    <a:lnT w="6350" cap="flat" cmpd="sng">
-                      <a:solidFill>
-                        <a:srgbClr val="000000"/>
-                      </a:solidFill>
-                      <a:prstDash val="solid"/>
-                      <a:headEnd type="none" w="med" len="med"/>
-                      <a:tailEnd type="none" w="med" len="med"/>
-                    </a:lnT>
-                    <a:lnB w="6350" cap="flat" cmpd="sng">
-                      <a:solidFill>
-                        <a:srgbClr val="000000"/>
-                      </a:solidFill>
-                      <a:prstDash val="solid"/>
-                      <a:headEnd type="none" w="med" len="med"/>
-                      <a:tailEnd type="none" w="med" len="med"/>
-                    </a:lnB>
-                    <a:lnTlToBr>
-                      <a:noFill/>
-                    </a:lnTlToBr>
-                    <a:lnBlToTr>
-                      <a:noFill/>
-                    </a:lnBlToTr>
-                    <a:noFill/>
-                  </a:tcPr>
-                </a:tc>
-                <a:tc>
-                  <a:txBody>
-                    <a:bodyPr/>
-                    <a:p>
-                      <a:pPr indent="0">
-                        <a:buNone/>
-                      </a:pPr>
-                      <a:r>
-                        <a:rPr lang="en-US" sz="2000">
-                          <a:solidFill>
-                            <a:srgbClr val="000000"/>
-                          </a:solidFill>
-                          <a:latin typeface="Calibri" panose="020F0502020204030204" charset="-122"/>
-                          <a:sym typeface="+mn-ea"/>
-                        </a:rPr>
-                        <a:t>E-commerce platforms, real-time analytics, IoT applications, global-scale web apps</a:t>
-                      </a:r>
-                      <a:endParaRPr lang="en-US" sz="2000" b="0">
-                        <a:solidFill>
-                          <a:srgbClr val="000000"/>
-                        </a:solidFill>
-                        <a:latin typeface="Calibri" panose="020F0502020204030204" charset="-122"/>
-                      </a:endParaRPr>
-                    </a:p>
-                    <a:p>
-                      <a:pPr indent="0">
-                        <a:buNone/>
-                      </a:pPr>
-                      <a:endParaRPr lang="en-US" sz="2000" b="0">
-                        <a:solidFill>
-                          <a:srgbClr val="000000"/>
-                        </a:solidFill>
-                        <a:latin typeface="Calibri" panose="020F0502020204030204" charset="-122"/>
-                      </a:endParaRPr>
-                    </a:p>
-                  </a:txBody>
-                  <a:tcPr marL="12700" marR="12700" marT="12700" vert="horz" anchor="ctr" anchorCtr="0">
-                    <a:lnL w="6350" cap="flat" cmpd="sng">
-                      <a:solidFill>
-                        <a:srgbClr val="000000"/>
-                      </a:solidFill>
-                      <a:prstDash val="solid"/>
-                      <a:headEnd type="none" w="med" len="med"/>
-                      <a:tailEnd type="none" w="med" len="med"/>
-                    </a:lnL>
-                    <a:lnR w="6350" cap="flat" cmpd="sng">
-                      <a:solidFill>
-                        <a:srgbClr val="000000"/>
-                      </a:solidFill>
-                      <a:prstDash val="solid"/>
-                      <a:headEnd type="none" w="med" len="med"/>
-                      <a:tailEnd type="none" w="med" len="med"/>
-                    </a:lnR>
-                    <a:lnT w="6350" cap="flat" cmpd="sng">
-                      <a:solidFill>
-                        <a:srgbClr val="000000"/>
-                      </a:solidFill>
-                      <a:prstDash val="solid"/>
-                      <a:headEnd type="none" w="med" len="med"/>
-                      <a:tailEnd type="none" w="med" len="med"/>
-                    </a:lnT>
-                    <a:lnB w="6350" cap="flat" cmpd="sng">
-                      <a:solidFill>
-                        <a:srgbClr val="000000"/>
-                      </a:solidFill>
-                      <a:prstDash val="solid"/>
-                      <a:headEnd type="none" w="med" len="med"/>
-                      <a:tailEnd type="none" w="med" len="med"/>
-                    </a:lnB>
-                    <a:lnTlToBr>
-                      <a:noFill/>
-                    </a:lnTlToBr>
-                    <a:lnBlToTr>
-                      <a:noFill/>
-                    </a:lnBlToTr>
-                    <a:noFill/>
-                  </a:tcPr>
-                </a:tc>
-              </a:tr>
-              <a:tr h="1168400">
-                <a:tc>
-                  <a:txBody>
-                    <a:bodyPr/>
-                    <a:p>
-                      <a:pPr indent="0">
-                        <a:buNone/>
-                      </a:pPr>
-                      <a:r>
-                        <a:rPr lang="en-US" sz="2000" b="0">
-                          <a:solidFill>
-                            <a:srgbClr val="000000"/>
-                          </a:solidFill>
-                          <a:latin typeface="Calibri" panose="020F0502020204030204" charset="-122"/>
-                        </a:rPr>
-                        <a:t>AWS</a:t>
-                      </a:r>
-                      <a:endParaRPr lang="en-US" sz="2000" b="0">
-                        <a:solidFill>
-                          <a:srgbClr val="000000"/>
-                        </a:solidFill>
-                        <a:latin typeface="Calibri" panose="020F0502020204030204" charset="-122"/>
-                      </a:endParaRPr>
-                    </a:p>
-                  </a:txBody>
-                  <a:tcPr marL="12700" marR="12700" marT="12700" vert="horz" anchor="ctr" anchorCtr="0">
-                    <a:lnL w="6350" cap="flat" cmpd="sng">
-                      <a:solidFill>
-                        <a:srgbClr val="000000"/>
-                      </a:solidFill>
-                      <a:prstDash val="solid"/>
-                      <a:headEnd type="none" w="med" len="med"/>
-                      <a:tailEnd type="none" w="med" len="med"/>
-                    </a:lnL>
-                    <a:lnR w="6350" cap="flat" cmpd="sng">
-                      <a:solidFill>
-                        <a:srgbClr val="000000"/>
-                      </a:solidFill>
-                      <a:prstDash val="solid"/>
-                      <a:headEnd type="none" w="med" len="med"/>
-                      <a:tailEnd type="none" w="med" len="med"/>
-                    </a:lnR>
-                    <a:lnT w="6350" cap="flat" cmpd="sng">
-                      <a:solidFill>
-                        <a:srgbClr val="000000"/>
-                      </a:solidFill>
-                      <a:prstDash val="solid"/>
-                      <a:headEnd type="none" w="med" len="med"/>
-                      <a:tailEnd type="none" w="med" len="med"/>
-                    </a:lnT>
-                    <a:lnB w="6350" cap="flat" cmpd="sng">
-                      <a:solidFill>
-                        <a:srgbClr val="000000"/>
-                      </a:solidFill>
-                      <a:prstDash val="solid"/>
-                      <a:headEnd type="none" w="med" len="med"/>
-                      <a:tailEnd type="none" w="med" len="med"/>
-                    </a:lnB>
-                    <a:lnTlToBr>
-                      <a:noFill/>
-                    </a:lnTlToBr>
-                    <a:lnBlToTr>
-                      <a:noFill/>
-                    </a:lnBlToTr>
-                    <a:noFill/>
-                  </a:tcPr>
-                </a:tc>
-                <a:tc>
-                  <a:txBody>
-                    <a:bodyPr/>
-                    <a:p>
-                      <a:pPr indent="0">
-                        <a:buNone/>
-                      </a:pPr>
-                      <a:r>
-                        <a:rPr lang="en-US" sz="2000" b="0">
-                          <a:solidFill>
-                            <a:srgbClr val="000000"/>
-                          </a:solidFill>
-                          <a:latin typeface="Calibri" panose="020F0502020204030204" charset="-122"/>
-                        </a:rPr>
-                        <a:t>Amazon DynamoDB</a:t>
-                      </a:r>
-                      <a:endParaRPr lang="en-US" sz="2000" b="0">
-                        <a:solidFill>
-                          <a:srgbClr val="000000"/>
-                        </a:solidFill>
-                        <a:latin typeface="Calibri" panose="020F0502020204030204" charset="-122"/>
-                      </a:endParaRPr>
-                    </a:p>
-                  </a:txBody>
-                  <a:tcPr marL="12700" marR="12700" marT="12700" vert="horz" anchor="ctr" anchorCtr="0">
-                    <a:lnL w="6350" cap="flat" cmpd="sng">
-                      <a:solidFill>
-                        <a:srgbClr val="000000"/>
-                      </a:solidFill>
-                      <a:prstDash val="solid"/>
-                      <a:headEnd type="none" w="med" len="med"/>
-                      <a:tailEnd type="none" w="med" len="med"/>
-                    </a:lnL>
-                    <a:lnR w="6350" cap="flat" cmpd="sng">
-                      <a:solidFill>
-                        <a:srgbClr val="000000"/>
-                      </a:solidFill>
-                      <a:prstDash val="solid"/>
-                      <a:headEnd type="none" w="med" len="med"/>
-                      <a:tailEnd type="none" w="med" len="med"/>
-                    </a:lnR>
-                    <a:lnT w="6350" cap="flat" cmpd="sng">
-                      <a:solidFill>
-                        <a:srgbClr val="000000"/>
-                      </a:solidFill>
-                      <a:prstDash val="solid"/>
-                      <a:headEnd type="none" w="med" len="med"/>
-                      <a:tailEnd type="none" w="med" len="med"/>
-                    </a:lnT>
-                    <a:lnB w="6350" cap="flat" cmpd="sng">
-                      <a:solidFill>
-                        <a:srgbClr val="000000"/>
-                      </a:solidFill>
-                      <a:prstDash val="solid"/>
-                      <a:headEnd type="none" w="med" len="med"/>
-                      <a:tailEnd type="none" w="med" len="med"/>
-                    </a:lnB>
-                    <a:lnTlToBr>
-                      <a:noFill/>
-                    </a:lnTlToBr>
-                    <a:lnBlToTr>
-                      <a:noFill/>
-                    </a:lnBlToTr>
-                    <a:noFill/>
-                  </a:tcPr>
-                </a:tc>
-                <a:tc>
-                  <a:txBody>
-                    <a:bodyPr/>
-                    <a:p>
-                      <a:pPr indent="0">
-                        <a:buNone/>
-                      </a:pPr>
-                      <a:r>
-                        <a:rPr lang="en-US" sz="2000" b="0">
-                          <a:solidFill>
-                            <a:srgbClr val="000000"/>
-                          </a:solidFill>
-                          <a:latin typeface="Calibri" panose="020F0502020204030204" charset="-122"/>
-                        </a:rPr>
-                        <a:t>Key-Value, Document</a:t>
-                      </a:r>
-                      <a:endParaRPr lang="en-US" sz="2000" b="0">
-                        <a:solidFill>
-                          <a:srgbClr val="000000"/>
-                        </a:solidFill>
-                        <a:latin typeface="Calibri" panose="020F0502020204030204" charset="-122"/>
-                      </a:endParaRPr>
-                    </a:p>
-                  </a:txBody>
-                  <a:tcPr marL="12700" marR="12700" marT="12700" vert="horz" anchor="ctr" anchorCtr="0">
-                    <a:lnL w="6350" cap="flat" cmpd="sng">
-                      <a:solidFill>
-                        <a:srgbClr val="000000"/>
-                      </a:solidFill>
-                      <a:prstDash val="solid"/>
-                      <a:headEnd type="none" w="med" len="med"/>
-                      <a:tailEnd type="none" w="med" len="med"/>
-                    </a:lnL>
-                    <a:lnR w="6350" cap="flat" cmpd="sng">
-                      <a:solidFill>
-                        <a:srgbClr val="000000"/>
-                      </a:solidFill>
-                      <a:prstDash val="solid"/>
-                      <a:headEnd type="none" w="med" len="med"/>
-                      <a:tailEnd type="none" w="med" len="med"/>
-                    </a:lnR>
-                    <a:lnT w="6350" cap="flat" cmpd="sng">
-                      <a:solidFill>
-                        <a:srgbClr val="000000"/>
-                      </a:solidFill>
-                      <a:prstDash val="solid"/>
-                      <a:headEnd type="none" w="med" len="med"/>
-                      <a:tailEnd type="none" w="med" len="med"/>
-                    </a:lnT>
-                    <a:lnB w="6350" cap="flat" cmpd="sng">
-                      <a:solidFill>
-                        <a:srgbClr val="000000"/>
-                      </a:solidFill>
-                      <a:prstDash val="solid"/>
-                      <a:headEnd type="none" w="med" len="med"/>
-                      <a:tailEnd type="none" w="med" len="med"/>
-                    </a:lnB>
-                    <a:lnTlToBr>
-                      <a:noFill/>
-                    </a:lnTlToBr>
-                    <a:lnBlToTr>
-                      <a:noFill/>
-                    </a:lnBlToTr>
-                    <a:noFill/>
-                  </a:tcPr>
-                </a:tc>
-                <a:tc>
-                  <a:txBody>
-                    <a:bodyPr/>
-                    <a:p>
-                      <a:pPr indent="0">
-                        <a:buNone/>
-                      </a:pPr>
-                      <a:r>
-                        <a:rPr lang="en-US" sz="2000">
-                          <a:solidFill>
-                            <a:srgbClr val="000000"/>
-                          </a:solidFill>
-                          <a:latin typeface="Calibri" panose="020F0502020204030204" charset="-122"/>
-                          <a:sym typeface="+mn-ea"/>
-                        </a:rPr>
-                        <a:t>High-traffic web applications, gaming, ad tech, mobile backends, serverless applications</a:t>
-                      </a:r>
-                      <a:endParaRPr lang="en-US" sz="2000" b="0">
-                        <a:solidFill>
-                          <a:srgbClr val="000000"/>
-                        </a:solidFill>
-                        <a:latin typeface="Calibri" panose="020F0502020204030204" charset="-122"/>
-                      </a:endParaRPr>
-                    </a:p>
-                    <a:p>
-                      <a:pPr indent="0">
-                        <a:buNone/>
-                      </a:pPr>
-                      <a:endParaRPr lang="en-US" sz="2000" b="0">
-                        <a:solidFill>
-                          <a:srgbClr val="000000"/>
-                        </a:solidFill>
-                        <a:latin typeface="Calibri" panose="020F0502020204030204" charset="-122"/>
-                      </a:endParaRPr>
-                    </a:p>
-                  </a:txBody>
-                  <a:tcPr marL="12700" marR="12700" marT="12700" vert="horz" anchor="ctr" anchorCtr="0">
-                    <a:lnL w="6350" cap="flat" cmpd="sng">
-                      <a:solidFill>
-                        <a:srgbClr val="000000"/>
-                      </a:solidFill>
-                      <a:prstDash val="solid"/>
-                      <a:headEnd type="none" w="med" len="med"/>
-                      <a:tailEnd type="none" w="med" len="med"/>
-                    </a:lnL>
-                    <a:lnR w="6350" cap="flat" cmpd="sng">
-                      <a:solidFill>
-                        <a:srgbClr val="000000"/>
-                      </a:solidFill>
-                      <a:prstDash val="solid"/>
-                      <a:headEnd type="none" w="med" len="med"/>
-                      <a:tailEnd type="none" w="med" len="med"/>
-                    </a:lnR>
-                    <a:lnT w="6350" cap="flat" cmpd="sng">
-                      <a:solidFill>
-                        <a:srgbClr val="000000"/>
-                      </a:solidFill>
-                      <a:prstDash val="solid"/>
-                      <a:headEnd type="none" w="med" len="med"/>
-                      <a:tailEnd type="none" w="med" len="med"/>
-                    </a:lnT>
-                    <a:lnB w="6350" cap="flat" cmpd="sng">
-                      <a:solidFill>
-                        <a:srgbClr val="000000"/>
-                      </a:solidFill>
-                      <a:prstDash val="solid"/>
-                      <a:headEnd type="none" w="med" len="med"/>
-                      <a:tailEnd type="none" w="med" len="med"/>
-                    </a:lnB>
-                    <a:lnTlToBr>
-                      <a:noFill/>
-                    </a:lnTlToBr>
-                    <a:lnBlToTr>
-                      <a:noFill/>
-                    </a:lnBlToTr>
-                    <a:noFill/>
-                  </a:tcPr>
-                </a:tc>
-              </a:tr>
-            </a:tbl>
-          </a:graphicData>
-        </a:graphic>
-      </p:graphicFrame>
-    </p:spTree>
-  </p:cSld>
-  <p:clrMapOvr>
-    <a:masterClrMapping/>
-  </p:clrMapOvr>
-</p:sld>
-</file>
-
-<file path=ppt/slides/slide32.xml><?xml version="1.0" encoding="utf-8"?>
-<p:sld xmlns:a="http://schemas.openxmlformats.org/drawingml/2006/main" xmlns:r="http://schemas.openxmlformats.org/officeDocument/2006/relationships" xmlns:p="http://schemas.openxmlformats.org/presentationml/2006/main">
-  <p:cSld>
-    <p:spTree>
-      <p:nvGrpSpPr>
-        <p:cNvPr id="1" name=""/>
-        <p:cNvGrpSpPr/>
-        <p:nvPr/>
-      </p:nvGrpSpPr>
-      <p:grpSpPr/>
-      <p:sp>
-        <p:nvSpPr>
-          <p:cNvPr id="2" name="Title 1"/>
-          <p:cNvSpPr>
-            <a:spLocks noGrp="1"/>
-          </p:cNvSpPr>
-          <p:nvPr>
-            <p:ph type="title"/>
-          </p:nvPr>
-        </p:nvSpPr>
-        <p:spPr/>
-        <p:txBody>
-          <a:bodyPr/>
-          <a:p>
             <a:endParaRPr lang="en-GB" altLang="en-US"/>
           </a:p>
         </p:txBody>
@@ -7654,7 +6488,7 @@
 </p:sld>
 </file>
 
-<file path=ppt/slides/slide33.xml><?xml version="1.0" encoding="utf-8"?>
+<file path=ppt/slides/slide31.xml><?xml version="1.0" encoding="utf-8"?>
 <p:sld xmlns:a="http://schemas.openxmlformats.org/drawingml/2006/main" xmlns:r="http://schemas.openxmlformats.org/officeDocument/2006/relationships" xmlns:p="http://schemas.openxmlformats.org/presentationml/2006/main">
   <p:cSld>
     <p:spTree>
@@ -7719,1363 +6553,7 @@
 </p:sld>
 </file>
 
-<file path=ppt/slides/slide34.xml><?xml version="1.0" encoding="utf-8"?>
-<p:sld xmlns:a="http://schemas.openxmlformats.org/drawingml/2006/main" xmlns:r="http://schemas.openxmlformats.org/officeDocument/2006/relationships" xmlns:p="http://schemas.openxmlformats.org/presentationml/2006/main">
-  <p:cSld>
-    <p:spTree>
-      <p:nvGrpSpPr>
-        <p:cNvPr id="1" name=""/>
-        <p:cNvGrpSpPr/>
-        <p:nvPr/>
-      </p:nvGrpSpPr>
-      <p:grpSpPr/>
-      <p:sp>
-        <p:nvSpPr>
-          <p:cNvPr id="2" name="Title 1"/>
-          <p:cNvSpPr>
-            <a:spLocks noGrp="1"/>
-          </p:cNvSpPr>
-          <p:nvPr>
-            <p:ph type="title"/>
-          </p:nvPr>
-        </p:nvSpPr>
-        <p:spPr/>
-        <p:txBody>
-          <a:bodyPr/>
-          <a:p>
-            <a:r>
-              <a:rPr lang="en-US"/>
-              <a:t>Data Lakes and Data warehouses </a:t>
-            </a:r>
-            <a:endParaRPr lang="en-US"/>
-          </a:p>
-        </p:txBody>
-      </p:sp>
-      <p:sp>
-        <p:nvSpPr>
-          <p:cNvPr id="3" name="Content Placeholder 2"/>
-          <p:cNvSpPr>
-            <a:spLocks noGrp="1"/>
-          </p:cNvSpPr>
-          <p:nvPr>
-            <p:ph idx="1"/>
-          </p:nvPr>
-        </p:nvSpPr>
-        <p:spPr/>
-        <p:txBody>
-          <a:bodyPr/>
-          <a:p>
-            <a:r>
-              <a:rPr lang="en-US"/>
-              <a:t>A</a:t>
-            </a:r>
-            <a:r>
-              <a:rPr lang="en-US" b="1"/>
-              <a:t> data lake</a:t>
-            </a:r>
-            <a:r>
-              <a:rPr lang="en-US"/>
-              <a:t> is a centralized repository that allows you to store all your structured, semi-structured, and unstructured data at any scale. Data is stored in its raw format until it is needed.</a:t>
-            </a:r>
-            <a:endParaRPr lang="en-US"/>
-          </a:p>
-          <a:p>
-            <a:r>
-              <a:rPr lang="en-US"/>
-              <a:t>A </a:t>
-            </a:r>
-            <a:r>
-              <a:rPr lang="en-US" b="1"/>
-              <a:t>data warehouse</a:t>
-            </a:r>
-            <a:r>
-              <a:rPr lang="en-US"/>
-              <a:t> is a centralized repository that stores structured data from multiple sources. It is designed for query and analysis, supporting business intelligence and reporting.</a:t>
-            </a:r>
-            <a:endParaRPr lang="en-US"/>
-          </a:p>
-        </p:txBody>
-      </p:sp>
-    </p:spTree>
-  </p:cSld>
-  <p:clrMapOvr>
-    <a:masterClrMapping/>
-  </p:clrMapOvr>
-</p:sld>
-</file>
-
-<file path=ppt/slides/slide35.xml><?xml version="1.0" encoding="utf-8"?>
-<p:sld xmlns:a="http://schemas.openxmlformats.org/drawingml/2006/main" xmlns:r="http://schemas.openxmlformats.org/officeDocument/2006/relationships" xmlns:p="http://schemas.openxmlformats.org/presentationml/2006/main">
-  <p:cSld>
-    <p:spTree>
-      <p:nvGrpSpPr>
-        <p:cNvPr id="1" name=""/>
-        <p:cNvGrpSpPr/>
-        <p:nvPr/>
-      </p:nvGrpSpPr>
-      <p:grpSpPr/>
-      <p:sp>
-        <p:nvSpPr>
-          <p:cNvPr id="2" name="Title 1"/>
-          <p:cNvSpPr>
-            <a:spLocks noGrp="1"/>
-          </p:cNvSpPr>
-          <p:nvPr>
-            <p:ph type="title"/>
-          </p:nvPr>
-        </p:nvSpPr>
-        <p:spPr/>
-        <p:txBody>
-          <a:bodyPr/>
-          <a:p>
-            <a:r>
-              <a:rPr lang="en-US">
-                <a:sym typeface="+mn-ea"/>
-              </a:rPr>
-              <a:t>Data Lakes and Data warehouses </a:t>
-            </a:r>
-            <a:endParaRPr lang="en-US"/>
-          </a:p>
-        </p:txBody>
-      </p:sp>
-      <p:graphicFrame>
-        <p:nvGraphicFramePr>
-          <p:cNvPr id="4" name="Table 3"/>
-          <p:cNvGraphicFramePr/>
-          <p:nvPr/>
-        </p:nvGraphicFramePr>
-        <p:xfrm>
-          <a:off x="245745" y="1478915"/>
-          <a:ext cx="11488420" cy="4640580"/>
-        </p:xfrm>
-        <a:graphic>
-          <a:graphicData uri="http://schemas.openxmlformats.org/drawingml/2006/table">
-            <a:tbl>
-              <a:tblPr/>
-              <a:tblGrid>
-                <a:gridCol w="1856105"/>
-                <a:gridCol w="4361180"/>
-                <a:gridCol w="5271135"/>
-              </a:tblGrid>
-              <a:tr h="332740">
-                <a:tc>
-                  <a:txBody>
-                    <a:bodyPr/>
-                    <a:p>
-                      <a:pPr indent="0">
-                        <a:buNone/>
-                      </a:pPr>
-                      <a:r>
-                        <a:rPr lang="en-US" sz="2400" b="1">
-                          <a:solidFill>
-                            <a:srgbClr val="000000"/>
-                          </a:solidFill>
-                          <a:latin typeface="Calibri" panose="020F0502020204030204" charset="-122"/>
-                        </a:rPr>
-                        <a:t>Aspect</a:t>
-                      </a:r>
-                      <a:endParaRPr lang="en-US" sz="2400" b="1">
-                        <a:solidFill>
-                          <a:srgbClr val="000000"/>
-                        </a:solidFill>
-                        <a:latin typeface="Calibri" panose="020F0502020204030204" charset="-122"/>
-                      </a:endParaRPr>
-                    </a:p>
-                  </a:txBody>
-                  <a:tcPr marL="12700" marR="12700" marT="12700" vert="horz" anchor="ctr" anchorCtr="0">
-                    <a:lnL w="6350" cap="flat" cmpd="sng">
-                      <a:solidFill>
-                        <a:srgbClr val="000000"/>
-                      </a:solidFill>
-                      <a:prstDash val="solid"/>
-                      <a:headEnd type="none" w="med" len="med"/>
-                      <a:tailEnd type="none" w="med" len="med"/>
-                    </a:lnL>
-                    <a:lnR w="6350" cap="flat" cmpd="sng">
-                      <a:solidFill>
-                        <a:srgbClr val="000000"/>
-                      </a:solidFill>
-                      <a:prstDash val="solid"/>
-                      <a:headEnd type="none" w="med" len="med"/>
-                      <a:tailEnd type="none" w="med" len="med"/>
-                    </a:lnR>
-                    <a:lnT w="6350" cap="flat" cmpd="sng">
-                      <a:solidFill>
-                        <a:srgbClr val="000000"/>
-                      </a:solidFill>
-                      <a:prstDash val="solid"/>
-                      <a:headEnd type="none" w="med" len="med"/>
-                      <a:tailEnd type="none" w="med" len="med"/>
-                    </a:lnT>
-                    <a:lnB w="6350" cap="flat" cmpd="sng">
-                      <a:solidFill>
-                        <a:srgbClr val="000000"/>
-                      </a:solidFill>
-                      <a:prstDash val="solid"/>
-                      <a:headEnd type="none" w="med" len="med"/>
-                      <a:tailEnd type="none" w="med" len="med"/>
-                    </a:lnB>
-                    <a:lnTlToBr>
-                      <a:noFill/>
-                    </a:lnTlToBr>
-                    <a:lnBlToTr>
-                      <a:noFill/>
-                    </a:lnBlToTr>
-                    <a:solidFill>
-                      <a:srgbClr val="BFBFBF"/>
-                    </a:solidFill>
-                  </a:tcPr>
-                </a:tc>
-                <a:tc>
-                  <a:txBody>
-                    <a:bodyPr/>
-                    <a:p>
-                      <a:pPr indent="0">
-                        <a:buNone/>
-                      </a:pPr>
-                      <a:r>
-                        <a:rPr lang="en-US" sz="2400" b="1">
-                          <a:solidFill>
-                            <a:srgbClr val="000000"/>
-                          </a:solidFill>
-                          <a:latin typeface="Calibri" panose="020F0502020204030204" charset="-122"/>
-                        </a:rPr>
-                        <a:t>Data Lake</a:t>
-                      </a:r>
-                      <a:endParaRPr lang="en-US" sz="2400" b="1">
-                        <a:solidFill>
-                          <a:srgbClr val="000000"/>
-                        </a:solidFill>
-                        <a:latin typeface="Calibri" panose="020F0502020204030204" charset="-122"/>
-                      </a:endParaRPr>
-                    </a:p>
-                  </a:txBody>
-                  <a:tcPr marL="12700" marR="12700" marT="12700" vert="horz" anchor="ctr" anchorCtr="0">
-                    <a:lnL w="6350" cap="flat" cmpd="sng">
-                      <a:solidFill>
-                        <a:srgbClr val="000000"/>
-                      </a:solidFill>
-                      <a:prstDash val="solid"/>
-                      <a:headEnd type="none" w="med" len="med"/>
-                      <a:tailEnd type="none" w="med" len="med"/>
-                    </a:lnL>
-                    <a:lnR w="6350" cap="flat" cmpd="sng">
-                      <a:solidFill>
-                        <a:srgbClr val="000000"/>
-                      </a:solidFill>
-                      <a:prstDash val="solid"/>
-                      <a:headEnd type="none" w="med" len="med"/>
-                      <a:tailEnd type="none" w="med" len="med"/>
-                    </a:lnR>
-                    <a:lnT w="6350" cap="flat" cmpd="sng">
-                      <a:solidFill>
-                        <a:srgbClr val="000000"/>
-                      </a:solidFill>
-                      <a:prstDash val="solid"/>
-                      <a:headEnd type="none" w="med" len="med"/>
-                      <a:tailEnd type="none" w="med" len="med"/>
-                    </a:lnT>
-                    <a:lnB w="6350" cap="flat" cmpd="sng">
-                      <a:solidFill>
-                        <a:srgbClr val="000000"/>
-                      </a:solidFill>
-                      <a:prstDash val="solid"/>
-                      <a:headEnd type="none" w="med" len="med"/>
-                      <a:tailEnd type="none" w="med" len="med"/>
-                    </a:lnB>
-                    <a:lnTlToBr>
-                      <a:noFill/>
-                    </a:lnTlToBr>
-                    <a:lnBlToTr>
-                      <a:noFill/>
-                    </a:lnBlToTr>
-                    <a:solidFill>
-                      <a:srgbClr val="BFBFBF"/>
-                    </a:solidFill>
-                  </a:tcPr>
-                </a:tc>
-                <a:tc>
-                  <a:txBody>
-                    <a:bodyPr/>
-                    <a:p>
-                      <a:pPr indent="0">
-                        <a:buNone/>
-                      </a:pPr>
-                      <a:r>
-                        <a:rPr lang="en-US" sz="2400" b="1">
-                          <a:solidFill>
-                            <a:srgbClr val="000000"/>
-                          </a:solidFill>
-                          <a:latin typeface="Calibri" panose="020F0502020204030204" charset="-122"/>
-                        </a:rPr>
-                        <a:t>Data Warehouse</a:t>
-                      </a:r>
-                      <a:endParaRPr lang="en-US" sz="2400" b="1">
-                        <a:solidFill>
-                          <a:srgbClr val="000000"/>
-                        </a:solidFill>
-                        <a:latin typeface="Calibri" panose="020F0502020204030204" charset="-122"/>
-                      </a:endParaRPr>
-                    </a:p>
-                  </a:txBody>
-                  <a:tcPr marL="12700" marR="12700" marT="12700" vert="horz" anchor="ctr" anchorCtr="0">
-                    <a:lnL w="6350" cap="flat" cmpd="sng">
-                      <a:solidFill>
-                        <a:srgbClr val="000000"/>
-                      </a:solidFill>
-                      <a:prstDash val="solid"/>
-                      <a:headEnd type="none" w="med" len="med"/>
-                      <a:tailEnd type="none" w="med" len="med"/>
-                    </a:lnL>
-                    <a:lnR w="6350" cap="flat" cmpd="sng">
-                      <a:solidFill>
-                        <a:srgbClr val="000000"/>
-                      </a:solidFill>
-                      <a:prstDash val="solid"/>
-                      <a:headEnd type="none" w="med" len="med"/>
-                      <a:tailEnd type="none" w="med" len="med"/>
-                    </a:lnR>
-                    <a:lnT w="6350" cap="flat" cmpd="sng">
-                      <a:solidFill>
-                        <a:srgbClr val="000000"/>
-                      </a:solidFill>
-                      <a:prstDash val="solid"/>
-                      <a:headEnd type="none" w="med" len="med"/>
-                      <a:tailEnd type="none" w="med" len="med"/>
-                    </a:lnT>
-                    <a:lnB w="6350" cap="flat" cmpd="sng">
-                      <a:solidFill>
-                        <a:srgbClr val="000000"/>
-                      </a:solidFill>
-                      <a:prstDash val="solid"/>
-                      <a:headEnd type="none" w="med" len="med"/>
-                      <a:tailEnd type="none" w="med" len="med"/>
-                    </a:lnB>
-                    <a:lnTlToBr>
-                      <a:noFill/>
-                    </a:lnTlToBr>
-                    <a:lnBlToTr>
-                      <a:noFill/>
-                    </a:lnBlToTr>
-                    <a:solidFill>
-                      <a:srgbClr val="BFBFBF"/>
-                    </a:solidFill>
-                  </a:tcPr>
-                </a:tc>
-              </a:tr>
-              <a:tr h="332740">
-                <a:tc>
-                  <a:txBody>
-                    <a:bodyPr/>
-                    <a:p>
-                      <a:pPr indent="0">
-                        <a:buNone/>
-                      </a:pPr>
-                      <a:r>
-                        <a:rPr lang="en-US" sz="2400" b="0">
-                          <a:solidFill>
-                            <a:srgbClr val="000000"/>
-                          </a:solidFill>
-                          <a:latin typeface="Calibri" panose="020F0502020204030204" charset="-122"/>
-                        </a:rPr>
-                        <a:t>Data Types</a:t>
-                      </a:r>
-                      <a:endParaRPr lang="en-US" sz="2400" b="0">
-                        <a:solidFill>
-                          <a:srgbClr val="000000"/>
-                        </a:solidFill>
-                        <a:latin typeface="Calibri" panose="020F0502020204030204" charset="-122"/>
-                      </a:endParaRPr>
-                    </a:p>
-                  </a:txBody>
-                  <a:tcPr marL="12700" marR="12700" marT="12700" vert="horz" anchor="ctr" anchorCtr="0">
-                    <a:lnL w="6350" cap="flat" cmpd="sng">
-                      <a:solidFill>
-                        <a:srgbClr val="000000"/>
-                      </a:solidFill>
-                      <a:prstDash val="solid"/>
-                      <a:headEnd type="none" w="med" len="med"/>
-                      <a:tailEnd type="none" w="med" len="med"/>
-                    </a:lnL>
-                    <a:lnR w="6350" cap="flat" cmpd="sng">
-                      <a:solidFill>
-                        <a:srgbClr val="000000"/>
-                      </a:solidFill>
-                      <a:prstDash val="solid"/>
-                      <a:headEnd type="none" w="med" len="med"/>
-                      <a:tailEnd type="none" w="med" len="med"/>
-                    </a:lnR>
-                    <a:lnT w="6350" cap="flat" cmpd="sng">
-                      <a:solidFill>
-                        <a:srgbClr val="000000"/>
-                      </a:solidFill>
-                      <a:prstDash val="solid"/>
-                      <a:headEnd type="none" w="med" len="med"/>
-                      <a:tailEnd type="none" w="med" len="med"/>
-                    </a:lnT>
-                    <a:lnB w="6350" cap="flat" cmpd="sng">
-                      <a:solidFill>
-                        <a:srgbClr val="000000"/>
-                      </a:solidFill>
-                      <a:prstDash val="solid"/>
-                      <a:headEnd type="none" w="med" len="med"/>
-                      <a:tailEnd type="none" w="med" len="med"/>
-                    </a:lnB>
-                    <a:lnTlToBr>
-                      <a:noFill/>
-                    </a:lnTlToBr>
-                    <a:lnBlToTr>
-                      <a:noFill/>
-                    </a:lnBlToTr>
-                    <a:noFill/>
-                  </a:tcPr>
-                </a:tc>
-                <a:tc>
-                  <a:txBody>
-                    <a:bodyPr/>
-                    <a:p>
-                      <a:pPr indent="0">
-                        <a:buNone/>
-                      </a:pPr>
-                      <a:r>
-                        <a:rPr lang="en-US" sz="2400" b="0">
-                          <a:solidFill>
-                            <a:srgbClr val="000000"/>
-                          </a:solidFill>
-                          <a:latin typeface="Calibri" panose="020F0502020204030204" charset="-122"/>
-                        </a:rPr>
-                        <a:t>Structured, semi-structured, unstructured</a:t>
-                      </a:r>
-                      <a:endParaRPr lang="en-US" sz="2400" b="0">
-                        <a:solidFill>
-                          <a:srgbClr val="000000"/>
-                        </a:solidFill>
-                        <a:latin typeface="Calibri" panose="020F0502020204030204" charset="-122"/>
-                      </a:endParaRPr>
-                    </a:p>
-                  </a:txBody>
-                  <a:tcPr marL="12700" marR="12700" marT="12700" vert="horz" anchor="ctr" anchorCtr="0">
-                    <a:lnL w="6350" cap="flat" cmpd="sng">
-                      <a:solidFill>
-                        <a:srgbClr val="000000"/>
-                      </a:solidFill>
-                      <a:prstDash val="solid"/>
-                      <a:headEnd type="none" w="med" len="med"/>
-                      <a:tailEnd type="none" w="med" len="med"/>
-                    </a:lnL>
-                    <a:lnR w="6350" cap="flat" cmpd="sng">
-                      <a:solidFill>
-                        <a:srgbClr val="000000"/>
-                      </a:solidFill>
-                      <a:prstDash val="solid"/>
-                      <a:headEnd type="none" w="med" len="med"/>
-                      <a:tailEnd type="none" w="med" len="med"/>
-                    </a:lnR>
-                    <a:lnT w="6350" cap="flat" cmpd="sng">
-                      <a:solidFill>
-                        <a:srgbClr val="000000"/>
-                      </a:solidFill>
-                      <a:prstDash val="solid"/>
-                      <a:headEnd type="none" w="med" len="med"/>
-                      <a:tailEnd type="none" w="med" len="med"/>
-                    </a:lnT>
-                    <a:lnB w="6350" cap="flat" cmpd="sng">
-                      <a:solidFill>
-                        <a:srgbClr val="000000"/>
-                      </a:solidFill>
-                      <a:prstDash val="solid"/>
-                      <a:headEnd type="none" w="med" len="med"/>
-                      <a:tailEnd type="none" w="med" len="med"/>
-                    </a:lnB>
-                    <a:lnTlToBr>
-                      <a:noFill/>
-                    </a:lnTlToBr>
-                    <a:lnBlToTr>
-                      <a:noFill/>
-                    </a:lnBlToTr>
-                    <a:noFill/>
-                  </a:tcPr>
-                </a:tc>
-                <a:tc>
-                  <a:txBody>
-                    <a:bodyPr/>
-                    <a:p>
-                      <a:pPr indent="0">
-                        <a:buNone/>
-                      </a:pPr>
-                      <a:r>
-                        <a:rPr lang="en-US" sz="2400" b="0">
-                          <a:solidFill>
-                            <a:srgbClr val="000000"/>
-                          </a:solidFill>
-                          <a:latin typeface="Calibri" panose="020F0502020204030204" charset="-122"/>
-                        </a:rPr>
-                        <a:t>Structured</a:t>
-                      </a:r>
-                      <a:endParaRPr lang="en-US" sz="2400" b="0">
-                        <a:solidFill>
-                          <a:srgbClr val="000000"/>
-                        </a:solidFill>
-                        <a:latin typeface="Calibri" panose="020F0502020204030204" charset="-122"/>
-                      </a:endParaRPr>
-                    </a:p>
-                  </a:txBody>
-                  <a:tcPr marL="12700" marR="12700" marT="12700" vert="horz" anchor="ctr" anchorCtr="0">
-                    <a:lnL w="6350" cap="flat" cmpd="sng">
-                      <a:solidFill>
-                        <a:srgbClr val="000000"/>
-                      </a:solidFill>
-                      <a:prstDash val="solid"/>
-                      <a:headEnd type="none" w="med" len="med"/>
-                      <a:tailEnd type="none" w="med" len="med"/>
-                    </a:lnL>
-                    <a:lnR w="6350" cap="flat" cmpd="sng">
-                      <a:solidFill>
-                        <a:srgbClr val="000000"/>
-                      </a:solidFill>
-                      <a:prstDash val="solid"/>
-                      <a:headEnd type="none" w="med" len="med"/>
-                      <a:tailEnd type="none" w="med" len="med"/>
-                    </a:lnR>
-                    <a:lnT w="6350" cap="flat" cmpd="sng">
-                      <a:solidFill>
-                        <a:srgbClr val="000000"/>
-                      </a:solidFill>
-                      <a:prstDash val="solid"/>
-                      <a:headEnd type="none" w="med" len="med"/>
-                      <a:tailEnd type="none" w="med" len="med"/>
-                    </a:lnT>
-                    <a:lnB w="6350" cap="flat" cmpd="sng">
-                      <a:solidFill>
-                        <a:srgbClr val="000000"/>
-                      </a:solidFill>
-                      <a:prstDash val="solid"/>
-                      <a:headEnd type="none" w="med" len="med"/>
-                      <a:tailEnd type="none" w="med" len="med"/>
-                    </a:lnB>
-                    <a:lnTlToBr>
-                      <a:noFill/>
-                    </a:lnTlToBr>
-                    <a:lnBlToTr>
-                      <a:noFill/>
-                    </a:lnBlToTr>
-                    <a:noFill/>
-                  </a:tcPr>
-                </a:tc>
-              </a:tr>
-              <a:tr h="332740">
-                <a:tc>
-                  <a:txBody>
-                    <a:bodyPr/>
-                    <a:p>
-                      <a:pPr indent="0">
-                        <a:buNone/>
-                      </a:pPr>
-                      <a:r>
-                        <a:rPr lang="en-US" sz="2400" b="0">
-                          <a:solidFill>
-                            <a:srgbClr val="000000"/>
-                          </a:solidFill>
-                          <a:latin typeface="Calibri" panose="020F0502020204030204" charset="-122"/>
-                        </a:rPr>
-                        <a:t>Schema</a:t>
-                      </a:r>
-                      <a:endParaRPr lang="en-US" sz="2400" b="0">
-                        <a:solidFill>
-                          <a:srgbClr val="000000"/>
-                        </a:solidFill>
-                        <a:latin typeface="Calibri" panose="020F0502020204030204" charset="-122"/>
-                      </a:endParaRPr>
-                    </a:p>
-                  </a:txBody>
-                  <a:tcPr marL="12700" marR="12700" marT="12700" vert="horz" anchor="ctr" anchorCtr="0">
-                    <a:lnL w="6350" cap="flat" cmpd="sng">
-                      <a:solidFill>
-                        <a:srgbClr val="000000"/>
-                      </a:solidFill>
-                      <a:prstDash val="solid"/>
-                      <a:headEnd type="none" w="med" len="med"/>
-                      <a:tailEnd type="none" w="med" len="med"/>
-                    </a:lnL>
-                    <a:lnR w="6350" cap="flat" cmpd="sng">
-                      <a:solidFill>
-                        <a:srgbClr val="000000"/>
-                      </a:solidFill>
-                      <a:prstDash val="solid"/>
-                      <a:headEnd type="none" w="med" len="med"/>
-                      <a:tailEnd type="none" w="med" len="med"/>
-                    </a:lnR>
-                    <a:lnT w="6350" cap="flat" cmpd="sng">
-                      <a:solidFill>
-                        <a:srgbClr val="000000"/>
-                      </a:solidFill>
-                      <a:prstDash val="solid"/>
-                      <a:headEnd type="none" w="med" len="med"/>
-                      <a:tailEnd type="none" w="med" len="med"/>
-                    </a:lnT>
-                    <a:lnB w="6350" cap="flat" cmpd="sng">
-                      <a:solidFill>
-                        <a:srgbClr val="000000"/>
-                      </a:solidFill>
-                      <a:prstDash val="solid"/>
-                      <a:headEnd type="none" w="med" len="med"/>
-                      <a:tailEnd type="none" w="med" len="med"/>
-                    </a:lnB>
-                    <a:lnTlToBr>
-                      <a:noFill/>
-                    </a:lnTlToBr>
-                    <a:lnBlToTr>
-                      <a:noFill/>
-                    </a:lnBlToTr>
-                    <a:noFill/>
-                  </a:tcPr>
-                </a:tc>
-                <a:tc>
-                  <a:txBody>
-                    <a:bodyPr/>
-                    <a:p>
-                      <a:pPr indent="0">
-                        <a:buNone/>
-                      </a:pPr>
-                      <a:r>
-                        <a:rPr lang="en-US" sz="2400" b="0">
-                          <a:solidFill>
-                            <a:srgbClr val="000000"/>
-                          </a:solidFill>
-                          <a:latin typeface="Calibri" panose="020F0502020204030204" charset="-122"/>
-                        </a:rPr>
-                        <a:t>Schema on read</a:t>
-                      </a:r>
-                      <a:endParaRPr lang="en-US" sz="2400" b="0">
-                        <a:solidFill>
-                          <a:srgbClr val="000000"/>
-                        </a:solidFill>
-                        <a:latin typeface="Calibri" panose="020F0502020204030204" charset="-122"/>
-                      </a:endParaRPr>
-                    </a:p>
-                  </a:txBody>
-                  <a:tcPr marL="12700" marR="12700" marT="12700" vert="horz" anchor="ctr" anchorCtr="0">
-                    <a:lnL w="6350" cap="flat" cmpd="sng">
-                      <a:solidFill>
-                        <a:srgbClr val="000000"/>
-                      </a:solidFill>
-                      <a:prstDash val="solid"/>
-                      <a:headEnd type="none" w="med" len="med"/>
-                      <a:tailEnd type="none" w="med" len="med"/>
-                    </a:lnL>
-                    <a:lnR w="6350" cap="flat" cmpd="sng">
-                      <a:solidFill>
-                        <a:srgbClr val="000000"/>
-                      </a:solidFill>
-                      <a:prstDash val="solid"/>
-                      <a:headEnd type="none" w="med" len="med"/>
-                      <a:tailEnd type="none" w="med" len="med"/>
-                    </a:lnR>
-                    <a:lnT w="6350" cap="flat" cmpd="sng">
-                      <a:solidFill>
-                        <a:srgbClr val="000000"/>
-                      </a:solidFill>
-                      <a:prstDash val="solid"/>
-                      <a:headEnd type="none" w="med" len="med"/>
-                      <a:tailEnd type="none" w="med" len="med"/>
-                    </a:lnT>
-                    <a:lnB w="6350" cap="flat" cmpd="sng">
-                      <a:solidFill>
-                        <a:srgbClr val="000000"/>
-                      </a:solidFill>
-                      <a:prstDash val="solid"/>
-                      <a:headEnd type="none" w="med" len="med"/>
-                      <a:tailEnd type="none" w="med" len="med"/>
-                    </a:lnB>
-                    <a:lnTlToBr>
-                      <a:noFill/>
-                    </a:lnTlToBr>
-                    <a:lnBlToTr>
-                      <a:noFill/>
-                    </a:lnBlToTr>
-                    <a:noFill/>
-                  </a:tcPr>
-                </a:tc>
-                <a:tc>
-                  <a:txBody>
-                    <a:bodyPr/>
-                    <a:p>
-                      <a:pPr indent="0">
-                        <a:buNone/>
-                      </a:pPr>
-                      <a:r>
-                        <a:rPr lang="en-US" sz="2400" b="0">
-                          <a:solidFill>
-                            <a:srgbClr val="000000"/>
-                          </a:solidFill>
-                          <a:latin typeface="Calibri" panose="020F0502020204030204" charset="-122"/>
-                        </a:rPr>
-                        <a:t>Schema on write</a:t>
-                      </a:r>
-                      <a:endParaRPr lang="en-US" sz="2400" b="0">
-                        <a:solidFill>
-                          <a:srgbClr val="000000"/>
-                        </a:solidFill>
-                        <a:latin typeface="Calibri" panose="020F0502020204030204" charset="-122"/>
-                      </a:endParaRPr>
-                    </a:p>
-                  </a:txBody>
-                  <a:tcPr marL="12700" marR="12700" marT="12700" vert="horz" anchor="ctr" anchorCtr="0">
-                    <a:lnL w="6350" cap="flat" cmpd="sng">
-                      <a:solidFill>
-                        <a:srgbClr val="000000"/>
-                      </a:solidFill>
-                      <a:prstDash val="solid"/>
-                      <a:headEnd type="none" w="med" len="med"/>
-                      <a:tailEnd type="none" w="med" len="med"/>
-                    </a:lnL>
-                    <a:lnR w="6350" cap="flat" cmpd="sng">
-                      <a:solidFill>
-                        <a:srgbClr val="000000"/>
-                      </a:solidFill>
-                      <a:prstDash val="solid"/>
-                      <a:headEnd type="none" w="med" len="med"/>
-                      <a:tailEnd type="none" w="med" len="med"/>
-                    </a:lnR>
-                    <a:lnT w="6350" cap="flat" cmpd="sng">
-                      <a:solidFill>
-                        <a:srgbClr val="000000"/>
-                      </a:solidFill>
-                      <a:prstDash val="solid"/>
-                      <a:headEnd type="none" w="med" len="med"/>
-                      <a:tailEnd type="none" w="med" len="med"/>
-                    </a:lnT>
-                    <a:lnB w="6350" cap="flat" cmpd="sng">
-                      <a:solidFill>
-                        <a:srgbClr val="000000"/>
-                      </a:solidFill>
-                      <a:prstDash val="solid"/>
-                      <a:headEnd type="none" w="med" len="med"/>
-                      <a:tailEnd type="none" w="med" len="med"/>
-                    </a:lnB>
-                    <a:lnTlToBr>
-                      <a:noFill/>
-                    </a:lnTlToBr>
-                    <a:lnBlToTr>
-                      <a:noFill/>
-                    </a:lnBlToTr>
-                    <a:noFill/>
-                  </a:tcPr>
-                </a:tc>
-              </a:tr>
-              <a:tr h="607060">
-                <a:tc>
-                  <a:txBody>
-                    <a:bodyPr/>
-                    <a:p>
-                      <a:pPr indent="0">
-                        <a:buNone/>
-                      </a:pPr>
-                      <a:r>
-                        <a:rPr lang="en-US" sz="2400" b="0">
-                          <a:solidFill>
-                            <a:srgbClr val="000000"/>
-                          </a:solidFill>
-                          <a:latin typeface="Calibri" panose="020F0502020204030204" charset="-122"/>
-                        </a:rPr>
-                        <a:t>Purpose</a:t>
-                      </a:r>
-                      <a:endParaRPr lang="en-US" sz="2400" b="0">
-                        <a:solidFill>
-                          <a:srgbClr val="000000"/>
-                        </a:solidFill>
-                        <a:latin typeface="Calibri" panose="020F0502020204030204" charset="-122"/>
-                      </a:endParaRPr>
-                    </a:p>
-                  </a:txBody>
-                  <a:tcPr marL="12700" marR="12700" marT="12700" vert="horz" anchor="ctr" anchorCtr="0">
-                    <a:lnL w="6350" cap="flat" cmpd="sng">
-                      <a:solidFill>
-                        <a:srgbClr val="000000"/>
-                      </a:solidFill>
-                      <a:prstDash val="solid"/>
-                      <a:headEnd type="none" w="med" len="med"/>
-                      <a:tailEnd type="none" w="med" len="med"/>
-                    </a:lnL>
-                    <a:lnR w="6350" cap="flat" cmpd="sng">
-                      <a:solidFill>
-                        <a:srgbClr val="000000"/>
-                      </a:solidFill>
-                      <a:prstDash val="solid"/>
-                      <a:headEnd type="none" w="med" len="med"/>
-                      <a:tailEnd type="none" w="med" len="med"/>
-                    </a:lnR>
-                    <a:lnT w="6350" cap="flat" cmpd="sng">
-                      <a:solidFill>
-                        <a:srgbClr val="000000"/>
-                      </a:solidFill>
-                      <a:prstDash val="solid"/>
-                      <a:headEnd type="none" w="med" len="med"/>
-                      <a:tailEnd type="none" w="med" len="med"/>
-                    </a:lnT>
-                    <a:lnB w="6350" cap="flat" cmpd="sng">
-                      <a:solidFill>
-                        <a:srgbClr val="000000"/>
-                      </a:solidFill>
-                      <a:prstDash val="solid"/>
-                      <a:headEnd type="none" w="med" len="med"/>
-                      <a:tailEnd type="none" w="med" len="med"/>
-                    </a:lnB>
-                    <a:lnTlToBr>
-                      <a:noFill/>
-                    </a:lnTlToBr>
-                    <a:lnBlToTr>
-                      <a:noFill/>
-                    </a:lnBlToTr>
-                    <a:noFill/>
-                  </a:tcPr>
-                </a:tc>
-                <a:tc>
-                  <a:txBody>
-                    <a:bodyPr/>
-                    <a:p>
-                      <a:pPr indent="0">
-                        <a:buNone/>
-                      </a:pPr>
-                      <a:r>
-                        <a:rPr lang="en-US" sz="2400" b="0">
-                          <a:solidFill>
-                            <a:srgbClr val="000000"/>
-                          </a:solidFill>
-                          <a:latin typeface="Calibri" panose="020F0502020204030204" charset="-122"/>
-                        </a:rPr>
-                        <a:t>Big data processing, machine learning, raw data analysis</a:t>
-                      </a:r>
-                      <a:endParaRPr lang="en-US" sz="2400" b="0">
-                        <a:solidFill>
-                          <a:srgbClr val="000000"/>
-                        </a:solidFill>
-                        <a:latin typeface="Calibri" panose="020F0502020204030204" charset="-122"/>
-                      </a:endParaRPr>
-                    </a:p>
-                  </a:txBody>
-                  <a:tcPr marL="12700" marR="12700" marT="12700" vert="horz" anchor="ctr" anchorCtr="0">
-                    <a:lnL w="6350" cap="flat" cmpd="sng">
-                      <a:solidFill>
-                        <a:srgbClr val="000000"/>
-                      </a:solidFill>
-                      <a:prstDash val="solid"/>
-                      <a:headEnd type="none" w="med" len="med"/>
-                      <a:tailEnd type="none" w="med" len="med"/>
-                    </a:lnL>
-                    <a:lnR w="6350" cap="flat" cmpd="sng">
-                      <a:solidFill>
-                        <a:srgbClr val="000000"/>
-                      </a:solidFill>
-                      <a:prstDash val="solid"/>
-                      <a:headEnd type="none" w="med" len="med"/>
-                      <a:tailEnd type="none" w="med" len="med"/>
-                    </a:lnR>
-                    <a:lnT w="6350" cap="flat" cmpd="sng">
-                      <a:solidFill>
-                        <a:srgbClr val="000000"/>
-                      </a:solidFill>
-                      <a:prstDash val="solid"/>
-                      <a:headEnd type="none" w="med" len="med"/>
-                      <a:tailEnd type="none" w="med" len="med"/>
-                    </a:lnT>
-                    <a:lnB w="6350" cap="flat" cmpd="sng">
-                      <a:solidFill>
-                        <a:srgbClr val="000000"/>
-                      </a:solidFill>
-                      <a:prstDash val="solid"/>
-                      <a:headEnd type="none" w="med" len="med"/>
-                      <a:tailEnd type="none" w="med" len="med"/>
-                    </a:lnB>
-                    <a:lnTlToBr>
-                      <a:noFill/>
-                    </a:lnTlToBr>
-                    <a:lnBlToTr>
-                      <a:noFill/>
-                    </a:lnBlToTr>
-                    <a:noFill/>
-                  </a:tcPr>
-                </a:tc>
-                <a:tc>
-                  <a:txBody>
-                    <a:bodyPr/>
-                    <a:p>
-                      <a:pPr indent="0">
-                        <a:buNone/>
-                      </a:pPr>
-                      <a:r>
-                        <a:rPr lang="en-US" sz="2400" b="0">
-                          <a:solidFill>
-                            <a:srgbClr val="000000"/>
-                          </a:solidFill>
-                          <a:latin typeface="Calibri" panose="020F0502020204030204" charset="-122"/>
-                        </a:rPr>
-                        <a:t>Business intelligence, reporting, structured data analysis</a:t>
-                      </a:r>
-                      <a:endParaRPr lang="en-US" sz="2400" b="0">
-                        <a:solidFill>
-                          <a:srgbClr val="000000"/>
-                        </a:solidFill>
-                        <a:latin typeface="Calibri" panose="020F0502020204030204" charset="-122"/>
-                      </a:endParaRPr>
-                    </a:p>
-                  </a:txBody>
-                  <a:tcPr marL="12700" marR="12700" marT="12700" vert="horz" anchor="ctr" anchorCtr="0">
-                    <a:lnL w="6350" cap="flat" cmpd="sng">
-                      <a:solidFill>
-                        <a:srgbClr val="000000"/>
-                      </a:solidFill>
-                      <a:prstDash val="solid"/>
-                      <a:headEnd type="none" w="med" len="med"/>
-                      <a:tailEnd type="none" w="med" len="med"/>
-                    </a:lnL>
-                    <a:lnR w="6350" cap="flat" cmpd="sng">
-                      <a:solidFill>
-                        <a:srgbClr val="000000"/>
-                      </a:solidFill>
-                      <a:prstDash val="solid"/>
-                      <a:headEnd type="none" w="med" len="med"/>
-                      <a:tailEnd type="none" w="med" len="med"/>
-                    </a:lnR>
-                    <a:lnT w="6350" cap="flat" cmpd="sng">
-                      <a:solidFill>
-                        <a:srgbClr val="000000"/>
-                      </a:solidFill>
-                      <a:prstDash val="solid"/>
-                      <a:headEnd type="none" w="med" len="med"/>
-                      <a:tailEnd type="none" w="med" len="med"/>
-                    </a:lnT>
-                    <a:lnB w="6350" cap="flat" cmpd="sng">
-                      <a:solidFill>
-                        <a:srgbClr val="000000"/>
-                      </a:solidFill>
-                      <a:prstDash val="solid"/>
-                      <a:headEnd type="none" w="med" len="med"/>
-                      <a:tailEnd type="none" w="med" len="med"/>
-                    </a:lnB>
-                    <a:lnTlToBr>
-                      <a:noFill/>
-                    </a:lnTlToBr>
-                    <a:lnBlToTr>
-                      <a:noFill/>
-                    </a:lnBlToTr>
-                    <a:noFill/>
-                  </a:tcPr>
-                </a:tc>
-              </a:tr>
-              <a:tr h="607060">
-                <a:tc>
-                  <a:txBody>
-                    <a:bodyPr/>
-                    <a:p>
-                      <a:pPr indent="0">
-                        <a:buNone/>
-                      </a:pPr>
-                      <a:r>
-                        <a:rPr lang="en-US" sz="2400" b="0">
-                          <a:solidFill>
-                            <a:srgbClr val="000000"/>
-                          </a:solidFill>
-                          <a:latin typeface="Calibri" panose="020F0502020204030204" charset="-122"/>
-                        </a:rPr>
-                        <a:t>Processing Frameworks</a:t>
-                      </a:r>
-                      <a:endParaRPr lang="en-US" sz="2400" b="0">
-                        <a:solidFill>
-                          <a:srgbClr val="000000"/>
-                        </a:solidFill>
-                        <a:latin typeface="Calibri" panose="020F0502020204030204" charset="-122"/>
-                      </a:endParaRPr>
-                    </a:p>
-                  </a:txBody>
-                  <a:tcPr marL="12700" marR="12700" marT="12700" vert="horz" anchor="ctr" anchorCtr="0">
-                    <a:lnL w="6350" cap="flat" cmpd="sng">
-                      <a:solidFill>
-                        <a:srgbClr val="000000"/>
-                      </a:solidFill>
-                      <a:prstDash val="solid"/>
-                      <a:headEnd type="none" w="med" len="med"/>
-                      <a:tailEnd type="none" w="med" len="med"/>
-                    </a:lnL>
-                    <a:lnR w="6350" cap="flat" cmpd="sng">
-                      <a:solidFill>
-                        <a:srgbClr val="000000"/>
-                      </a:solidFill>
-                      <a:prstDash val="solid"/>
-                      <a:headEnd type="none" w="med" len="med"/>
-                      <a:tailEnd type="none" w="med" len="med"/>
-                    </a:lnR>
-                    <a:lnT w="6350" cap="flat" cmpd="sng">
-                      <a:solidFill>
-                        <a:srgbClr val="000000"/>
-                      </a:solidFill>
-                      <a:prstDash val="solid"/>
-                      <a:headEnd type="none" w="med" len="med"/>
-                      <a:tailEnd type="none" w="med" len="med"/>
-                    </a:lnT>
-                    <a:lnB w="6350" cap="flat" cmpd="sng">
-                      <a:solidFill>
-                        <a:srgbClr val="000000"/>
-                      </a:solidFill>
-                      <a:prstDash val="solid"/>
-                      <a:headEnd type="none" w="med" len="med"/>
-                      <a:tailEnd type="none" w="med" len="med"/>
-                    </a:lnB>
-                    <a:lnTlToBr>
-                      <a:noFill/>
-                    </a:lnTlToBr>
-                    <a:lnBlToTr>
-                      <a:noFill/>
-                    </a:lnBlToTr>
-                    <a:noFill/>
-                  </a:tcPr>
-                </a:tc>
-                <a:tc>
-                  <a:txBody>
-                    <a:bodyPr/>
-                    <a:p>
-                      <a:pPr indent="0">
-                        <a:buNone/>
-                      </a:pPr>
-                      <a:r>
-                        <a:rPr lang="en-US" sz="2400" b="0">
-                          <a:solidFill>
-                            <a:srgbClr val="000000"/>
-                          </a:solidFill>
-                          <a:latin typeface="Calibri" panose="020F0502020204030204" charset="-122"/>
-                        </a:rPr>
-                        <a:t>Distributed processing frameworks (e.g., Hadoop, Spark)</a:t>
-                      </a:r>
-                      <a:endParaRPr lang="en-US" sz="2400" b="0">
-                        <a:solidFill>
-                          <a:srgbClr val="000000"/>
-                        </a:solidFill>
-                        <a:latin typeface="Calibri" panose="020F0502020204030204" charset="-122"/>
-                      </a:endParaRPr>
-                    </a:p>
-                  </a:txBody>
-                  <a:tcPr marL="12700" marR="12700" marT="12700" vert="horz" anchor="ctr" anchorCtr="0">
-                    <a:lnL w="6350" cap="flat" cmpd="sng">
-                      <a:solidFill>
-                        <a:srgbClr val="000000"/>
-                      </a:solidFill>
-                      <a:prstDash val="solid"/>
-                      <a:headEnd type="none" w="med" len="med"/>
-                      <a:tailEnd type="none" w="med" len="med"/>
-                    </a:lnL>
-                    <a:lnR w="6350" cap="flat" cmpd="sng">
-                      <a:solidFill>
-                        <a:srgbClr val="000000"/>
-                      </a:solidFill>
-                      <a:prstDash val="solid"/>
-                      <a:headEnd type="none" w="med" len="med"/>
-                      <a:tailEnd type="none" w="med" len="med"/>
-                    </a:lnR>
-                    <a:lnT w="6350" cap="flat" cmpd="sng">
-                      <a:solidFill>
-                        <a:srgbClr val="000000"/>
-                      </a:solidFill>
-                      <a:prstDash val="solid"/>
-                      <a:headEnd type="none" w="med" len="med"/>
-                      <a:tailEnd type="none" w="med" len="med"/>
-                    </a:lnT>
-                    <a:lnB w="6350" cap="flat" cmpd="sng">
-                      <a:solidFill>
-                        <a:srgbClr val="000000"/>
-                      </a:solidFill>
-                      <a:prstDash val="solid"/>
-                      <a:headEnd type="none" w="med" len="med"/>
-                      <a:tailEnd type="none" w="med" len="med"/>
-                    </a:lnB>
-                    <a:lnTlToBr>
-                      <a:noFill/>
-                    </a:lnTlToBr>
-                    <a:lnBlToTr>
-                      <a:noFill/>
-                    </a:lnBlToTr>
-                    <a:noFill/>
-                  </a:tcPr>
-                </a:tc>
-                <a:tc>
-                  <a:txBody>
-                    <a:bodyPr/>
-                    <a:p>
-                      <a:pPr indent="0">
-                        <a:buNone/>
-                      </a:pPr>
-                      <a:r>
-                        <a:rPr lang="en-US" sz="2400" b="0">
-                          <a:solidFill>
-                            <a:srgbClr val="000000"/>
-                          </a:solidFill>
-                          <a:latin typeface="Calibri" panose="020F0502020204030204" charset="-122"/>
-                        </a:rPr>
-                        <a:t>SQL-based querying and optimized for read performance</a:t>
-                      </a:r>
-                      <a:endParaRPr lang="en-US" sz="2400" b="0">
-                        <a:solidFill>
-                          <a:srgbClr val="000000"/>
-                        </a:solidFill>
-                        <a:latin typeface="Calibri" panose="020F0502020204030204" charset="-122"/>
-                      </a:endParaRPr>
-                    </a:p>
-                  </a:txBody>
-                  <a:tcPr marL="12700" marR="12700" marT="12700" vert="horz" anchor="ctr" anchorCtr="0">
-                    <a:lnL w="6350" cap="flat" cmpd="sng">
-                      <a:solidFill>
-                        <a:srgbClr val="000000"/>
-                      </a:solidFill>
-                      <a:prstDash val="solid"/>
-                      <a:headEnd type="none" w="med" len="med"/>
-                      <a:tailEnd type="none" w="med" len="med"/>
-                    </a:lnL>
-                    <a:lnR w="6350" cap="flat" cmpd="sng">
-                      <a:solidFill>
-                        <a:srgbClr val="000000"/>
-                      </a:solidFill>
-                      <a:prstDash val="solid"/>
-                      <a:headEnd type="none" w="med" len="med"/>
-                      <a:tailEnd type="none" w="med" len="med"/>
-                    </a:lnR>
-                    <a:lnT w="6350" cap="flat" cmpd="sng">
-                      <a:solidFill>
-                        <a:srgbClr val="000000"/>
-                      </a:solidFill>
-                      <a:prstDash val="solid"/>
-                      <a:headEnd type="none" w="med" len="med"/>
-                      <a:tailEnd type="none" w="med" len="med"/>
-                    </a:lnT>
-                    <a:lnB w="6350" cap="flat" cmpd="sng">
-                      <a:solidFill>
-                        <a:srgbClr val="000000"/>
-                      </a:solidFill>
-                      <a:prstDash val="solid"/>
-                      <a:headEnd type="none" w="med" len="med"/>
-                      <a:tailEnd type="none" w="med" len="med"/>
-                    </a:lnB>
-                    <a:lnTlToBr>
-                      <a:noFill/>
-                    </a:lnTlToBr>
-                    <a:lnBlToTr>
-                      <a:noFill/>
-                    </a:lnBlToTr>
-                    <a:noFill/>
-                  </a:tcPr>
-                </a:tc>
-              </a:tr>
-              <a:tr h="607060">
-                <a:tc>
-                  <a:txBody>
-                    <a:bodyPr/>
-                    <a:p>
-                      <a:pPr indent="0">
-                        <a:buNone/>
-                      </a:pPr>
-                      <a:r>
-                        <a:rPr lang="en-US" sz="2400" b="0">
-                          <a:solidFill>
-                            <a:srgbClr val="000000"/>
-                          </a:solidFill>
-                          <a:latin typeface="Calibri" panose="020F0502020204030204" charset="-122"/>
-                        </a:rPr>
-                        <a:t>Storage Solutions</a:t>
-                      </a:r>
-                      <a:endParaRPr lang="en-US" sz="2400" b="0">
-                        <a:solidFill>
-                          <a:srgbClr val="000000"/>
-                        </a:solidFill>
-                        <a:latin typeface="Calibri" panose="020F0502020204030204" charset="-122"/>
-                      </a:endParaRPr>
-                    </a:p>
-                  </a:txBody>
-                  <a:tcPr marL="12700" marR="12700" marT="12700" vert="horz" anchor="ctr" anchorCtr="0">
-                    <a:lnL w="6350" cap="flat" cmpd="sng">
-                      <a:solidFill>
-                        <a:srgbClr val="000000"/>
-                      </a:solidFill>
-                      <a:prstDash val="solid"/>
-                      <a:headEnd type="none" w="med" len="med"/>
-                      <a:tailEnd type="none" w="med" len="med"/>
-                    </a:lnL>
-                    <a:lnR w="6350" cap="flat" cmpd="sng">
-                      <a:solidFill>
-                        <a:srgbClr val="000000"/>
-                      </a:solidFill>
-                      <a:prstDash val="solid"/>
-                      <a:headEnd type="none" w="med" len="med"/>
-                      <a:tailEnd type="none" w="med" len="med"/>
-                    </a:lnR>
-                    <a:lnT w="6350" cap="flat" cmpd="sng">
-                      <a:solidFill>
-                        <a:srgbClr val="000000"/>
-                      </a:solidFill>
-                      <a:prstDash val="solid"/>
-                      <a:headEnd type="none" w="med" len="med"/>
-                      <a:tailEnd type="none" w="med" len="med"/>
-                    </a:lnT>
-                    <a:lnB w="6350" cap="flat" cmpd="sng">
-                      <a:solidFill>
-                        <a:srgbClr val="000000"/>
-                      </a:solidFill>
-                      <a:prstDash val="solid"/>
-                      <a:headEnd type="none" w="med" len="med"/>
-                      <a:tailEnd type="none" w="med" len="med"/>
-                    </a:lnB>
-                    <a:lnTlToBr>
-                      <a:noFill/>
-                    </a:lnTlToBr>
-                    <a:lnBlToTr>
-                      <a:noFill/>
-                    </a:lnBlToTr>
-                    <a:noFill/>
-                  </a:tcPr>
-                </a:tc>
-                <a:tc>
-                  <a:txBody>
-                    <a:bodyPr/>
-                    <a:p>
-                      <a:pPr indent="0">
-                        <a:buNone/>
-                      </a:pPr>
-                      <a:r>
-                        <a:rPr lang="en-US" sz="2400" b="0">
-                          <a:solidFill>
-                            <a:srgbClr val="000000"/>
-                          </a:solidFill>
-                          <a:latin typeface="Calibri" panose="020F0502020204030204" charset="-122"/>
-                        </a:rPr>
-                        <a:t>Inexpensive object storage (e.g., Amazon S3)</a:t>
-                      </a:r>
-                      <a:endParaRPr lang="en-US" sz="2400" b="0">
-                        <a:solidFill>
-                          <a:srgbClr val="000000"/>
-                        </a:solidFill>
-                        <a:latin typeface="Calibri" panose="020F0502020204030204" charset="-122"/>
-                      </a:endParaRPr>
-                    </a:p>
-                  </a:txBody>
-                  <a:tcPr marL="12700" marR="12700" marT="12700" vert="horz" anchor="ctr" anchorCtr="0">
-                    <a:lnL w="6350" cap="flat" cmpd="sng">
-                      <a:solidFill>
-                        <a:srgbClr val="000000"/>
-                      </a:solidFill>
-                      <a:prstDash val="solid"/>
-                      <a:headEnd type="none" w="med" len="med"/>
-                      <a:tailEnd type="none" w="med" len="med"/>
-                    </a:lnL>
-                    <a:lnR w="6350" cap="flat" cmpd="sng">
-                      <a:solidFill>
-                        <a:srgbClr val="000000"/>
-                      </a:solidFill>
-                      <a:prstDash val="solid"/>
-                      <a:headEnd type="none" w="med" len="med"/>
-                      <a:tailEnd type="none" w="med" len="med"/>
-                    </a:lnR>
-                    <a:lnT w="6350" cap="flat" cmpd="sng">
-                      <a:solidFill>
-                        <a:srgbClr val="000000"/>
-                      </a:solidFill>
-                      <a:prstDash val="solid"/>
-                      <a:headEnd type="none" w="med" len="med"/>
-                      <a:tailEnd type="none" w="med" len="med"/>
-                    </a:lnT>
-                    <a:lnB w="6350" cap="flat" cmpd="sng">
-                      <a:solidFill>
-                        <a:srgbClr val="000000"/>
-                      </a:solidFill>
-                      <a:prstDash val="solid"/>
-                      <a:headEnd type="none" w="med" len="med"/>
-                      <a:tailEnd type="none" w="med" len="med"/>
-                    </a:lnB>
-                    <a:lnTlToBr>
-                      <a:noFill/>
-                    </a:lnTlToBr>
-                    <a:lnBlToTr>
-                      <a:noFill/>
-                    </a:lnBlToTr>
-                    <a:noFill/>
-                  </a:tcPr>
-                </a:tc>
-                <a:tc>
-                  <a:txBody>
-                    <a:bodyPr/>
-                    <a:p>
-                      <a:pPr indent="0">
-                        <a:buNone/>
-                      </a:pPr>
-                      <a:r>
-                        <a:rPr lang="en-US" sz="2400" b="0">
-                          <a:solidFill>
-                            <a:srgbClr val="000000"/>
-                          </a:solidFill>
-                          <a:latin typeface="Calibri" panose="020F0502020204030204" charset="-122"/>
-                        </a:rPr>
-                        <a:t>Structured storage with optimized indexing and querying capabilities</a:t>
-                      </a:r>
-                      <a:endParaRPr lang="en-US" sz="2400" b="0">
-                        <a:solidFill>
-                          <a:srgbClr val="000000"/>
-                        </a:solidFill>
-                        <a:latin typeface="Calibri" panose="020F0502020204030204" charset="-122"/>
-                      </a:endParaRPr>
-                    </a:p>
-                  </a:txBody>
-                  <a:tcPr marL="12700" marR="12700" marT="12700" vert="horz" anchor="ctr" anchorCtr="0">
-                    <a:lnL w="6350" cap="flat" cmpd="sng">
-                      <a:solidFill>
-                        <a:srgbClr val="000000"/>
-                      </a:solidFill>
-                      <a:prstDash val="solid"/>
-                      <a:headEnd type="none" w="med" len="med"/>
-                      <a:tailEnd type="none" w="med" len="med"/>
-                    </a:lnL>
-                    <a:lnR w="6350" cap="flat" cmpd="sng">
-                      <a:solidFill>
-                        <a:srgbClr val="000000"/>
-                      </a:solidFill>
-                      <a:prstDash val="solid"/>
-                      <a:headEnd type="none" w="med" len="med"/>
-                      <a:tailEnd type="none" w="med" len="med"/>
-                    </a:lnR>
-                    <a:lnT w="6350" cap="flat" cmpd="sng">
-                      <a:solidFill>
-                        <a:srgbClr val="000000"/>
-                      </a:solidFill>
-                      <a:prstDash val="solid"/>
-                      <a:headEnd type="none" w="med" len="med"/>
-                      <a:tailEnd type="none" w="med" len="med"/>
-                    </a:lnT>
-                    <a:lnB w="6350" cap="flat" cmpd="sng">
-                      <a:solidFill>
-                        <a:srgbClr val="000000"/>
-                      </a:solidFill>
-                      <a:prstDash val="solid"/>
-                      <a:headEnd type="none" w="med" len="med"/>
-                      <a:tailEnd type="none" w="med" len="med"/>
-                    </a:lnB>
-                    <a:lnTlToBr>
-                      <a:noFill/>
-                    </a:lnTlToBr>
-                    <a:lnBlToTr>
-                      <a:noFill/>
-                    </a:lnBlToTr>
-                    <a:noFill/>
-                  </a:tcPr>
-                </a:tc>
-              </a:tr>
-            </a:tbl>
-          </a:graphicData>
-        </a:graphic>
-      </p:graphicFrame>
-    </p:spTree>
-  </p:cSld>
-  <p:clrMapOvr>
-    <a:masterClrMapping/>
-  </p:clrMapOvr>
-</p:sld>
-</file>
-
-<file path=ppt/slides/slide36.xml><?xml version="1.0" encoding="utf-8"?>
+<file path=ppt/slides/slide32.xml><?xml version="1.0" encoding="utf-8"?>
 <p:sld xmlns:a="http://schemas.openxmlformats.org/drawingml/2006/main" xmlns:r="http://schemas.openxmlformats.org/officeDocument/2006/relationships" xmlns:p="http://schemas.openxmlformats.org/presentationml/2006/main">
   <p:cSld>
     <p:spTree>
@@ -9698,7 +7176,7 @@
 </p:sld>
 </file>
 
-<file path=ppt/slides/slide37.xml><?xml version="1.0" encoding="utf-8"?>
+<file path=ppt/slides/slide33.xml><?xml version="1.0" encoding="utf-8"?>
 <p:sld xmlns:a="http://schemas.openxmlformats.org/drawingml/2006/main" xmlns:r="http://schemas.openxmlformats.org/officeDocument/2006/relationships" xmlns:p="http://schemas.openxmlformats.org/presentationml/2006/main">
   <p:cSld>
     <p:spTree>
@@ -10093,6 +7571,372 @@
 </p:sld>
 </file>
 
+<file path=ppt/slides/slide34.xml><?xml version="1.0" encoding="utf-8"?>
+<p:sld xmlns:a="http://schemas.openxmlformats.org/drawingml/2006/main" xmlns:r="http://schemas.openxmlformats.org/officeDocument/2006/relationships" xmlns:p="http://schemas.openxmlformats.org/presentationml/2006/main">
+  <p:cSld>
+    <p:spTree>
+      <p:nvGrpSpPr>
+        <p:cNvPr id="1" name=""/>
+        <p:cNvGrpSpPr/>
+        <p:nvPr/>
+      </p:nvGrpSpPr>
+      <p:grpSpPr/>
+      <p:sp>
+        <p:nvSpPr>
+          <p:cNvPr id="2" name="Title 1"/>
+          <p:cNvSpPr>
+            <a:spLocks noGrp="1"/>
+          </p:cNvSpPr>
+          <p:nvPr>
+            <p:ph type="title"/>
+          </p:nvPr>
+        </p:nvSpPr>
+        <p:spPr/>
+        <p:txBody>
+          <a:bodyPr/>
+          <a:p>
+            <a:r>
+              <a:rPr lang="en-US"/>
+              <a:t>Recap </a:t>
+            </a:r>
+            <a:endParaRPr lang="en-US"/>
+          </a:p>
+        </p:txBody>
+      </p:sp>
+      <p:sp>
+        <p:nvSpPr>
+          <p:cNvPr id="3" name="Content Placeholder 2"/>
+          <p:cNvSpPr>
+            <a:spLocks noGrp="1"/>
+          </p:cNvSpPr>
+          <p:nvPr>
+            <p:ph idx="1"/>
+          </p:nvPr>
+        </p:nvSpPr>
+        <p:spPr/>
+        <p:txBody>
+          <a:bodyPr/>
+          <a:p>
+            <a:r>
+              <a:rPr lang="en-US"/>
+              <a:t>Multi-model databases provide a versatile and efficient solution for modern applications that require handling diverse data types. </a:t>
+            </a:r>
+            <a:endParaRPr lang="en-US"/>
+          </a:p>
+          <a:p>
+            <a:r>
+              <a:rPr lang="en-US"/>
+              <a:t>By integrating multiple data models into a single system, they offer significant benefits in terms of consolidation, cost efficiency, and operational simplicity. </a:t>
+            </a:r>
+            <a:endParaRPr lang="en-US"/>
+          </a:p>
+          <a:p>
+            <a:r>
+              <a:rPr lang="en-US"/>
+              <a:t>However, they also present challenges that need to be managed, particularly in terms of complexity and performance optimization</a:t>
+            </a:r>
+            <a:endParaRPr lang="en-US"/>
+          </a:p>
+        </p:txBody>
+      </p:sp>
+    </p:spTree>
+  </p:cSld>
+  <p:clrMapOvr>
+    <a:masterClrMapping/>
+  </p:clrMapOvr>
+</p:sld>
+</file>
+
+<file path=ppt/slides/slide35.xml><?xml version="1.0" encoding="utf-8"?>
+<p:sld xmlns:a="http://schemas.openxmlformats.org/drawingml/2006/main" xmlns:r="http://schemas.openxmlformats.org/officeDocument/2006/relationships" xmlns:p="http://schemas.openxmlformats.org/presentationml/2006/main">
+  <p:cSld>
+    <p:spTree>
+      <p:nvGrpSpPr>
+        <p:cNvPr id="1" name=""/>
+        <p:cNvGrpSpPr/>
+        <p:nvPr/>
+      </p:nvGrpSpPr>
+      <p:grpSpPr/>
+      <p:sp>
+        <p:nvSpPr>
+          <p:cNvPr id="2" name="Title 1"/>
+          <p:cNvSpPr>
+            <a:spLocks noGrp="1"/>
+          </p:cNvSpPr>
+          <p:nvPr>
+            <p:ph type="title"/>
+          </p:nvPr>
+        </p:nvSpPr>
+        <p:spPr/>
+        <p:txBody>
+          <a:bodyPr/>
+          <a:p>
+            <a:r>
+              <a:rPr lang="en-US" altLang="en-GB"/>
+              <a:t>Recap </a:t>
+            </a:r>
+            <a:endParaRPr lang="en-US" altLang="en-GB"/>
+          </a:p>
+        </p:txBody>
+      </p:sp>
+      <p:sp>
+        <p:nvSpPr>
+          <p:cNvPr id="3" name="Content Placeholder 2"/>
+          <p:cNvSpPr>
+            <a:spLocks noGrp="1"/>
+          </p:cNvSpPr>
+          <p:nvPr>
+            <p:ph idx="1"/>
+          </p:nvPr>
+        </p:nvSpPr>
+        <p:spPr>
+          <a:xfrm>
+            <a:off x="407035" y="1825625"/>
+            <a:ext cx="11488420" cy="4724400"/>
+          </a:xfrm>
+        </p:spPr>
+        <p:txBody>
+          <a:bodyPr>
+            <a:noAutofit/>
+          </a:bodyPr>
+          <a:p>
+            <a:r>
+              <a:rPr lang="en-US" altLang="en-GB" sz="2000" b="1"/>
+              <a:t>Data</a:t>
+            </a:r>
+            <a:r>
+              <a:rPr lang="en-US" altLang="en-GB" sz="2000"/>
+              <a:t>: Data refers to raw facts, figures, or information that can be collected, stored, and processed. It can exist in various forms, such as numbers, text, images, audio, or video. Data by itself lacks context or meaning but becomes meaningful when interpreted or organized to provide insights or support decision-making.</a:t>
+            </a:r>
+            <a:endParaRPr lang="en-US" altLang="en-GB" sz="2000"/>
+          </a:p>
+          <a:p>
+            <a:r>
+              <a:rPr lang="en-US" altLang="en-GB" sz="2000" b="1"/>
+              <a:t>Data Model</a:t>
+            </a:r>
+            <a:r>
+              <a:rPr lang="en-US" altLang="en-GB" sz="2000"/>
+              <a:t>: A data model is a conceptual framework or structure that defines how data is organized, stored, and accessed within a database. It provides a blueprint for representing data entities, their attributes, and the relationships between them. Common types of data models include:</a:t>
+            </a:r>
+            <a:endParaRPr lang="en-US" altLang="en-GB" sz="2000"/>
+          </a:p>
+          <a:p>
+            <a:pPr lvl="1"/>
+            <a:r>
+              <a:rPr lang="en-US" altLang="en-GB" sz="1800"/>
+              <a:t>Conceptual Data Model: High-level representation of data requirements.</a:t>
+            </a:r>
+            <a:endParaRPr lang="en-US" altLang="en-GB" sz="1800"/>
+          </a:p>
+          <a:p>
+            <a:pPr lvl="1"/>
+            <a:r>
+              <a:rPr lang="en-US" altLang="en-GB" sz="1800"/>
+              <a:t> Logical Data Model: Detailed representation of data structures, independent of the database system.</a:t>
+            </a:r>
+            <a:endParaRPr lang="en-US" altLang="en-GB" sz="1800"/>
+          </a:p>
+          <a:p>
+            <a:pPr lvl="1"/>
+            <a:r>
+              <a:rPr lang="en-US" altLang="en-GB" sz="1800"/>
+              <a:t> Physical Data Model: Specific implementation of the data model in a database system.</a:t>
+            </a:r>
+            <a:endParaRPr lang="en-US" altLang="en-GB" sz="1800"/>
+          </a:p>
+          <a:p>
+            <a:r>
+              <a:rPr lang="en-US" altLang="en-GB" sz="2000" b="1"/>
+              <a:t>Database Management System (DBMS)</a:t>
+            </a:r>
+            <a:r>
+              <a:rPr lang="en-US" altLang="en-GB" sz="2000"/>
+              <a:t>: A Database Management System (DBMS) is software that enables the creation, management, and manipulation of databases. It provides tools for storing, retrieving, updating, and securing data efficiently. A DBMS acts as an interface between the database and users or applications, ensuring data integrity, consistency, and security. Examples of DBMS include MySQL, Oracle, PostgreSQL, and MongoDB.</a:t>
+            </a:r>
+            <a:endParaRPr lang="en-US" altLang="en-GB" sz="2000"/>
+          </a:p>
+        </p:txBody>
+      </p:sp>
+    </p:spTree>
+  </p:cSld>
+  <p:clrMapOvr>
+    <a:masterClrMapping/>
+  </p:clrMapOvr>
+</p:sld>
+</file>
+
+<file path=ppt/slides/slide36.xml><?xml version="1.0" encoding="utf-8"?>
+<p:sld xmlns:a="http://schemas.openxmlformats.org/drawingml/2006/main" xmlns:r="http://schemas.openxmlformats.org/officeDocument/2006/relationships" xmlns:p="http://schemas.openxmlformats.org/presentationml/2006/main">
+  <p:cSld>
+    <p:spTree>
+      <p:nvGrpSpPr>
+        <p:cNvPr id="1" name=""/>
+        <p:cNvGrpSpPr/>
+        <p:nvPr/>
+      </p:nvGrpSpPr>
+      <p:grpSpPr/>
+      <p:sp>
+        <p:nvSpPr>
+          <p:cNvPr id="2" name="Title 1"/>
+          <p:cNvSpPr>
+            <a:spLocks noGrp="1"/>
+          </p:cNvSpPr>
+          <p:nvPr>
+            <p:ph type="title"/>
+          </p:nvPr>
+        </p:nvSpPr>
+        <p:spPr/>
+        <p:txBody>
+          <a:bodyPr/>
+          <a:p>
+            <a:r>
+              <a:rPr lang="en-US" altLang="en-GB"/>
+              <a:t>Data Types </a:t>
+            </a:r>
+            <a:endParaRPr lang="en-US" altLang="en-GB"/>
+          </a:p>
+        </p:txBody>
+      </p:sp>
+      <p:sp>
+        <p:nvSpPr>
+          <p:cNvPr id="3" name="Content Placeholder 2"/>
+          <p:cNvSpPr>
+            <a:spLocks noGrp="1"/>
+          </p:cNvSpPr>
+          <p:nvPr>
+            <p:ph idx="1"/>
+          </p:nvPr>
+        </p:nvSpPr>
+        <p:spPr/>
+        <p:txBody>
+          <a:bodyPr/>
+          <a:p>
+            <a:r>
+              <a:rPr lang="en-US" altLang="en-GB"/>
+              <a:t>Primitives: Integer, Numeric, String, Boolean</a:t>
+            </a:r>
+            <a:endParaRPr lang="en-US" altLang="en-GB"/>
+          </a:p>
+          <a:p>
+            <a:r>
+              <a:rPr lang="en-US" altLang="en-GB"/>
+              <a:t>Structured: Date/Time, Array, Range / Multirange, UUID</a:t>
+            </a:r>
+            <a:endParaRPr lang="en-US" altLang="en-GB"/>
+          </a:p>
+          <a:p>
+            <a:r>
+              <a:rPr lang="en-US" altLang="en-GB"/>
+              <a:t>Document: JSON/JSONB, XML, Key-value (Hstore)</a:t>
+            </a:r>
+            <a:endParaRPr lang="en-US" altLang="en-GB"/>
+          </a:p>
+          <a:p>
+            <a:r>
+              <a:rPr lang="en-US" altLang="en-GB"/>
+              <a:t>Geometry: Point, Line, Circle, Polygon</a:t>
+            </a:r>
+            <a:endParaRPr lang="en-US" altLang="en-GB"/>
+          </a:p>
+          <a:p>
+            <a:r>
+              <a:rPr lang="en-US" altLang="en-GB"/>
+              <a:t>Customizations: Composite, Custom Types</a:t>
+            </a:r>
+            <a:endParaRPr lang="en-US" altLang="en-GB"/>
+          </a:p>
+        </p:txBody>
+      </p:sp>
+    </p:spTree>
+  </p:cSld>
+  <p:clrMapOvr>
+    <a:masterClrMapping/>
+  </p:clrMapOvr>
+</p:sld>
+</file>
+
+<file path=ppt/slides/slide37.xml><?xml version="1.0" encoding="utf-8"?>
+<p:sld xmlns:a="http://schemas.openxmlformats.org/drawingml/2006/main" xmlns:r="http://schemas.openxmlformats.org/officeDocument/2006/relationships" xmlns:p="http://schemas.openxmlformats.org/presentationml/2006/main">
+  <p:cSld>
+    <p:spTree>
+      <p:nvGrpSpPr>
+        <p:cNvPr id="1" name=""/>
+        <p:cNvGrpSpPr/>
+        <p:nvPr/>
+      </p:nvGrpSpPr>
+      <p:grpSpPr/>
+      <p:sp>
+        <p:nvSpPr>
+          <p:cNvPr id="2" name="Title 1"/>
+          <p:cNvSpPr>
+            <a:spLocks noGrp="1"/>
+          </p:cNvSpPr>
+          <p:nvPr>
+            <p:ph type="title"/>
+          </p:nvPr>
+        </p:nvSpPr>
+        <p:spPr/>
+        <p:txBody>
+          <a:bodyPr/>
+          <a:p>
+            <a:r>
+              <a:rPr lang="en-US" altLang="en-GB">
+                <a:sym typeface="+mn-ea"/>
+              </a:rPr>
+              <a:t>Data Integrity</a:t>
+            </a:r>
+            <a:endParaRPr lang="en-GB" altLang="en-US"/>
+          </a:p>
+        </p:txBody>
+      </p:sp>
+      <p:sp>
+        <p:nvSpPr>
+          <p:cNvPr id="3" name="Content Placeholder 2"/>
+          <p:cNvSpPr>
+            <a:spLocks noGrp="1"/>
+          </p:cNvSpPr>
+          <p:nvPr>
+            <p:ph idx="1"/>
+          </p:nvPr>
+        </p:nvSpPr>
+        <p:spPr/>
+        <p:txBody>
+          <a:bodyPr/>
+          <a:p>
+            <a:r>
+              <a:rPr lang="en-US" altLang="en-GB"/>
+              <a:t>UNIQUE, NOT NULL</a:t>
+            </a:r>
+            <a:endParaRPr lang="en-US" altLang="en-GB"/>
+          </a:p>
+          <a:p>
+            <a:r>
+              <a:rPr lang="en-US" altLang="en-GB"/>
+              <a:t>Primary Keys</a:t>
+            </a:r>
+            <a:endParaRPr lang="en-US" altLang="en-GB"/>
+          </a:p>
+          <a:p>
+            <a:r>
+              <a:rPr lang="en-US" altLang="en-GB"/>
+              <a:t>Foreign Keys</a:t>
+            </a:r>
+            <a:endParaRPr lang="en-US" altLang="en-GB"/>
+          </a:p>
+          <a:p>
+            <a:endParaRPr lang="en-US" altLang="en-GB"/>
+          </a:p>
+        </p:txBody>
+      </p:sp>
+    </p:spTree>
+  </p:cSld>
+  <p:clrMapOvr>
+    <a:masterClrMapping/>
+  </p:clrMapOvr>
+</p:sld>
+</file>
+
 <file path=ppt/slides/slide38.xml><?xml version="1.0" encoding="utf-8"?>
 <p:sld xmlns:a="http://schemas.openxmlformats.org/drawingml/2006/main" xmlns:r="http://schemas.openxmlformats.org/officeDocument/2006/relationships" xmlns:p="http://schemas.openxmlformats.org/presentationml/2006/main">
   <p:cSld>
@@ -10115,13 +7959,15 @@
         </p:nvSpPr>
         <p:spPr/>
         <p:txBody>
-          <a:bodyPr/>
-          <a:p>
-            <a:r>
-              <a:rPr lang="en-US"/>
-              <a:t>Recap </a:t>
-            </a:r>
-            <a:endParaRPr lang="en-US"/>
+          <a:bodyPr>
+            <a:normAutofit/>
+          </a:bodyPr>
+          <a:p>
+            <a:r>
+              <a:rPr lang="en-US" altLang="en-GB"/>
+              <a:t>Database Indexing</a:t>
+            </a:r>
+            <a:endParaRPr lang="en-US" altLang="en-GB"/>
           </a:p>
         </p:txBody>
       </p:sp>
@@ -10137,27 +7983,53 @@
         </p:nvSpPr>
         <p:spPr/>
         <p:txBody>
-          <a:bodyPr/>
-          <a:p>
-            <a:r>
-              <a:rPr lang="en-US"/>
-              <a:t>Multi-model databases provide a versatile and efficient solution for modern applications that require handling diverse data types. </a:t>
-            </a:r>
-            <a:endParaRPr lang="en-US"/>
-          </a:p>
-          <a:p>
-            <a:r>
-              <a:rPr lang="en-US"/>
-              <a:t>By integrating multiple data models into a single system, they offer significant benefits in terms of consolidation, cost efficiency, and operational simplicity. </a:t>
-            </a:r>
-            <a:endParaRPr lang="en-US"/>
-          </a:p>
-          <a:p>
-            <a:r>
-              <a:rPr lang="en-US"/>
-              <a:t>However, they also present challenges that need to be managed, particularly in terms of complexity and performance optimization</a:t>
-            </a:r>
-            <a:endParaRPr lang="en-US"/>
+          <a:bodyPr>
+            <a:normAutofit lnSpcReduction="20000"/>
+          </a:bodyPr>
+          <a:p>
+            <a:r>
+              <a:rPr lang="en-US" altLang="en-GB"/>
+              <a:t>Database Indexing is a technique used to improve the speed and efficiency of data retrieval operations in a database. </a:t>
+            </a:r>
+            <a:endParaRPr lang="en-US" altLang="en-GB"/>
+          </a:p>
+          <a:p>
+            <a:r>
+              <a:rPr lang="en-US" altLang="en-GB"/>
+              <a:t>An index is a data structure that allows the database management system (DBMS) to find and access data quickly without scanning every row in a table.</a:t>
+            </a:r>
+            <a:endParaRPr lang="en-US" altLang="en-GB"/>
+          </a:p>
+          <a:p>
+            <a:r>
+              <a:rPr lang="en-US" altLang="en-GB"/>
+              <a:t>Types of Database Indexes:</a:t>
+            </a:r>
+            <a:endParaRPr lang="en-US" altLang="en-GB"/>
+          </a:p>
+          <a:p>
+            <a:pPr lvl="1"/>
+            <a:r>
+              <a:rPr lang="en-US" altLang="en-GB" b="1"/>
+              <a:t>Primary Index</a:t>
+            </a:r>
+            <a:r>
+              <a:rPr lang="en-US" altLang="en-GB"/>
+              <a:t>: Automatically created on the primary key of a table. Ensures unique values and fast retrieval based on the primary key.</a:t>
+            </a:r>
+            <a:endParaRPr lang="en-US" altLang="en-GB"/>
+          </a:p>
+          <a:p>
+            <a:pPr lvl="1"/>
+            <a:r>
+              <a:rPr lang="en-US" altLang="en-GB" b="1"/>
+              <a:t>Full-Text Index</a:t>
+            </a:r>
+            <a:r>
+              <a:rPr lang="en-US" altLang="en-GB"/>
+              <a:t>: Optimized for searching large text-based columns. Used in search engines for pattern matching.</a:t>
+            </a:r>
+            <a:endParaRPr lang="en-US" altLang="en-GB"/>
           </a:p>
         </p:txBody>
       </p:sp>
@@ -10170,228 +8042,6 @@
 </file>
 
 <file path=ppt/slides/slide39.xml><?xml version="1.0" encoding="utf-8"?>
-<p:sld xmlns:a="http://schemas.openxmlformats.org/drawingml/2006/main" xmlns:r="http://schemas.openxmlformats.org/officeDocument/2006/relationships" xmlns:p="http://schemas.openxmlformats.org/presentationml/2006/main">
-  <p:cSld>
-    <p:spTree>
-      <p:nvGrpSpPr>
-        <p:cNvPr id="1" name=""/>
-        <p:cNvGrpSpPr/>
-        <p:nvPr/>
-      </p:nvGrpSpPr>
-      <p:grpSpPr/>
-      <p:sp>
-        <p:nvSpPr>
-          <p:cNvPr id="2" name="Title 1"/>
-          <p:cNvSpPr>
-            <a:spLocks noGrp="1"/>
-          </p:cNvSpPr>
-          <p:nvPr>
-            <p:ph type="title"/>
-          </p:nvPr>
-        </p:nvSpPr>
-        <p:spPr/>
-        <p:txBody>
-          <a:bodyPr/>
-          <a:p>
-            <a:r>
-              <a:rPr lang="en-US" altLang="en-GB"/>
-              <a:t>Recap </a:t>
-            </a:r>
-            <a:endParaRPr lang="en-US" altLang="en-GB"/>
-          </a:p>
-        </p:txBody>
-      </p:sp>
-      <p:sp>
-        <p:nvSpPr>
-          <p:cNvPr id="3" name="Content Placeholder 2"/>
-          <p:cNvSpPr>
-            <a:spLocks noGrp="1"/>
-          </p:cNvSpPr>
-          <p:nvPr>
-            <p:ph idx="1"/>
-          </p:nvPr>
-        </p:nvSpPr>
-        <p:spPr>
-          <a:xfrm>
-            <a:off x="407035" y="1825625"/>
-            <a:ext cx="11488420" cy="4724400"/>
-          </a:xfrm>
-        </p:spPr>
-        <p:txBody>
-          <a:bodyPr>
-            <a:noAutofit/>
-          </a:bodyPr>
-          <a:p>
-            <a:r>
-              <a:rPr lang="en-US" altLang="en-GB" sz="2000" b="1"/>
-              <a:t>Data</a:t>
-            </a:r>
-            <a:r>
-              <a:rPr lang="en-US" altLang="en-GB" sz="2000"/>
-              <a:t>: Data refers to raw facts, figures, or information that can be collected, stored, and processed. It can exist in various forms, such as numbers, text, images, audio, or video. Data by itself lacks context or meaning but becomes meaningful when interpreted or organized to provide insights or support decision-making.</a:t>
-            </a:r>
-            <a:endParaRPr lang="en-US" altLang="en-GB" sz="2000"/>
-          </a:p>
-          <a:p>
-            <a:r>
-              <a:rPr lang="en-US" altLang="en-GB" sz="2000" b="1"/>
-              <a:t>Data Model</a:t>
-            </a:r>
-            <a:r>
-              <a:rPr lang="en-US" altLang="en-GB" sz="2000"/>
-              <a:t>: A data model is a conceptual framework or structure that defines how data is organized, stored, and accessed within a database. It provides a blueprint for representing data entities, their attributes, and the relationships between them. Common types of data models include:</a:t>
-            </a:r>
-            <a:endParaRPr lang="en-US" altLang="en-GB" sz="2000"/>
-          </a:p>
-          <a:p>
-            <a:pPr lvl="1"/>
-            <a:r>
-              <a:rPr lang="en-US" altLang="en-GB" sz="1800"/>
-              <a:t>Conceptual Data Model: High-level representation of data requirements.</a:t>
-            </a:r>
-            <a:endParaRPr lang="en-US" altLang="en-GB" sz="1800"/>
-          </a:p>
-          <a:p>
-            <a:pPr lvl="1"/>
-            <a:r>
-              <a:rPr lang="en-US" altLang="en-GB" sz="1800"/>
-              <a:t> Logical Data Model: Detailed representation of data structures, independent of the database system.</a:t>
-            </a:r>
-            <a:endParaRPr lang="en-US" altLang="en-GB" sz="1800"/>
-          </a:p>
-          <a:p>
-            <a:pPr lvl="1"/>
-            <a:r>
-              <a:rPr lang="en-US" altLang="en-GB" sz="1800"/>
-              <a:t> Physical Data Model: Specific implementation of the data model in a database system.</a:t>
-            </a:r>
-            <a:endParaRPr lang="en-US" altLang="en-GB" sz="1800"/>
-          </a:p>
-          <a:p>
-            <a:r>
-              <a:rPr lang="en-US" altLang="en-GB" sz="2000" b="1"/>
-              <a:t>Database Management System (DBMS)</a:t>
-            </a:r>
-            <a:r>
-              <a:rPr lang="en-US" altLang="en-GB" sz="2000"/>
-              <a:t>: A Database Management System (DBMS) is software that enables the creation, management, and manipulation of databases. It provides tools for storing, retrieving, updating, and securing data efficiently. A DBMS acts as an interface between the database and users or applications, ensuring data integrity, consistency, and security. Examples of DBMS include MySQL, Oracle, PostgreSQL, and MongoDB.</a:t>
-            </a:r>
-            <a:endParaRPr lang="en-US" altLang="en-GB" sz="2000"/>
-          </a:p>
-        </p:txBody>
-      </p:sp>
-    </p:spTree>
-  </p:cSld>
-  <p:clrMapOvr>
-    <a:masterClrMapping/>
-  </p:clrMapOvr>
-</p:sld>
-</file>
-
-<file path=ppt/slides/slide4.xml><?xml version="1.0" encoding="utf-8"?>
-<p:sld xmlns:a="http://schemas.openxmlformats.org/drawingml/2006/main" xmlns:r="http://schemas.openxmlformats.org/officeDocument/2006/relationships" xmlns:p="http://schemas.openxmlformats.org/presentationml/2006/main">
-  <p:cSld>
-    <p:spTree>
-      <p:nvGrpSpPr>
-        <p:cNvPr id="1" name=""/>
-        <p:cNvGrpSpPr/>
-        <p:nvPr/>
-      </p:nvGrpSpPr>
-      <p:grpSpPr/>
-      <p:sp>
-        <p:nvSpPr>
-          <p:cNvPr id="2" name="Title 1"/>
-          <p:cNvSpPr>
-            <a:spLocks noGrp="1"/>
-          </p:cNvSpPr>
-          <p:nvPr>
-            <p:ph type="title"/>
-          </p:nvPr>
-        </p:nvSpPr>
-        <p:spPr/>
-        <p:txBody>
-          <a:bodyPr/>
-          <a:p>
-            <a:r>
-              <a:rPr lang="en-US"/>
-              <a:t>Key Concepts of the Time Series Data Model</a:t>
-            </a:r>
-            <a:endParaRPr lang="en-US"/>
-          </a:p>
-        </p:txBody>
-      </p:sp>
-      <p:sp>
-        <p:nvSpPr>
-          <p:cNvPr id="3" name="Content Placeholder 2"/>
-          <p:cNvSpPr>
-            <a:spLocks noGrp="1"/>
-          </p:cNvSpPr>
-          <p:nvPr>
-            <p:ph idx="1"/>
-          </p:nvPr>
-        </p:nvSpPr>
-        <p:spPr/>
-        <p:txBody>
-          <a:bodyPr>
-            <a:normAutofit/>
-          </a:bodyPr>
-          <a:p>
-            <a:r>
-              <a:rPr lang="en-US"/>
-              <a:t>Time Series:</a:t>
-            </a:r>
-            <a:endParaRPr lang="en-US"/>
-          </a:p>
-          <a:p>
-            <a:pPr lvl="1"/>
-            <a:r>
-              <a:rPr lang="en-US"/>
-              <a:t>A time series is a sequence of data points, typically consisting of successive measurements made over a time interval.</a:t>
-            </a:r>
-            <a:endParaRPr lang="en-US"/>
-          </a:p>
-          <a:p>
-            <a:pPr lvl="1"/>
-            <a:r>
-              <a:rPr lang="en-US"/>
-              <a:t>Each data point in the series is associated with a timestamp.</a:t>
-            </a:r>
-            <a:endParaRPr lang="en-US"/>
-          </a:p>
-          <a:p>
-            <a:r>
-              <a:rPr lang="en-US"/>
-              <a:t>Timestamps:</a:t>
-            </a:r>
-            <a:endParaRPr lang="en-US"/>
-          </a:p>
-          <a:p>
-            <a:pPr lvl="1"/>
-            <a:r>
-              <a:rPr lang="en-US"/>
-              <a:t>Timestamps are crucial as they indicate when the data point was recorded.</a:t>
-            </a:r>
-            <a:endParaRPr lang="en-US"/>
-          </a:p>
-          <a:p>
-            <a:pPr lvl="1"/>
-            <a:r>
-              <a:rPr lang="en-US"/>
-              <a:t>Timestamps can be at different granularity levels, such as seconds, minutes, hours, or even days.</a:t>
-            </a:r>
-            <a:endParaRPr lang="en-US"/>
-          </a:p>
-        </p:txBody>
-      </p:sp>
-    </p:spTree>
-  </p:cSld>
-  <p:clrMapOvr>
-    <a:masterClrMapping/>
-  </p:clrMapOvr>
-</p:sld>
-</file>
-
-<file path=ppt/slides/slide40.xml><?xml version="1.0" encoding="utf-8"?>
 <p:sld xmlns:a="http://schemas.openxmlformats.org/drawingml/2006/main" xmlns:r="http://schemas.openxmlformats.org/officeDocument/2006/relationships" xmlns:p="http://schemas.openxmlformats.org/presentationml/2006/main">
   <p:cSld>
     <p:spTree>
@@ -10449,6 +8099,109 @@
           </a:ln>
         </p:spPr>
       </p:pic>
+    </p:spTree>
+  </p:cSld>
+  <p:clrMapOvr>
+    <a:masterClrMapping/>
+  </p:clrMapOvr>
+</p:sld>
+</file>
+
+<file path=ppt/slides/slide4.xml><?xml version="1.0" encoding="utf-8"?>
+<p:sld xmlns:a="http://schemas.openxmlformats.org/drawingml/2006/main" xmlns:r="http://schemas.openxmlformats.org/officeDocument/2006/relationships" xmlns:p="http://schemas.openxmlformats.org/presentationml/2006/main">
+  <p:cSld>
+    <p:spTree>
+      <p:nvGrpSpPr>
+        <p:cNvPr id="1" name=""/>
+        <p:cNvGrpSpPr/>
+        <p:nvPr/>
+      </p:nvGrpSpPr>
+      <p:grpSpPr/>
+      <p:sp>
+        <p:nvSpPr>
+          <p:cNvPr id="2" name="Title 1"/>
+          <p:cNvSpPr>
+            <a:spLocks noGrp="1"/>
+          </p:cNvSpPr>
+          <p:nvPr>
+            <p:ph type="title"/>
+          </p:nvPr>
+        </p:nvSpPr>
+        <p:spPr/>
+        <p:txBody>
+          <a:bodyPr/>
+          <a:p>
+            <a:r>
+              <a:rPr lang="en-US"/>
+              <a:t>Key Concepts of the Time Series Data Model</a:t>
+            </a:r>
+            <a:endParaRPr lang="en-US"/>
+          </a:p>
+        </p:txBody>
+      </p:sp>
+      <p:sp>
+        <p:nvSpPr>
+          <p:cNvPr id="3" name="Content Placeholder 2"/>
+          <p:cNvSpPr>
+            <a:spLocks noGrp="1"/>
+          </p:cNvSpPr>
+          <p:nvPr>
+            <p:ph idx="1"/>
+          </p:nvPr>
+        </p:nvSpPr>
+        <p:spPr/>
+        <p:txBody>
+          <a:bodyPr>
+            <a:normAutofit/>
+          </a:bodyPr>
+          <a:p>
+            <a:r>
+              <a:rPr lang="en-US"/>
+              <a:t>Time Series:</a:t>
+            </a:r>
+            <a:endParaRPr lang="en-US"/>
+          </a:p>
+          <a:p>
+            <a:pPr lvl="1"/>
+            <a:r>
+              <a:rPr lang="en-US"/>
+              <a:t>A time series is a sequence of data points, typically consisting of successive measurements made over a time interval.</a:t>
+            </a:r>
+            <a:endParaRPr lang="en-US"/>
+          </a:p>
+          <a:p>
+            <a:pPr lvl="1"/>
+            <a:r>
+              <a:rPr lang="en-US"/>
+              <a:t>Each data point in the series is associated with a timestamp.</a:t>
+            </a:r>
+            <a:endParaRPr lang="en-US"/>
+          </a:p>
+          <a:p>
+            <a:r>
+              <a:rPr lang="en-US"/>
+              <a:t>Timestamps:</a:t>
+            </a:r>
+            <a:endParaRPr lang="en-US"/>
+          </a:p>
+          <a:p>
+            <a:pPr lvl="1"/>
+            <a:r>
+              <a:rPr lang="en-US"/>
+              <a:t>Timestamps are crucial as they indicate when the data point was recorded.</a:t>
+            </a:r>
+            <a:endParaRPr lang="en-US"/>
+          </a:p>
+          <a:p>
+            <a:pPr lvl="1"/>
+            <a:r>
+              <a:rPr lang="en-US"/>
+              <a:t>Timestamps can be at different granularity levels, such as seconds, minutes, hours, or even days.</a:t>
+            </a:r>
+            <a:endParaRPr lang="en-US"/>
+          </a:p>
+        </p:txBody>
+      </p:sp>
     </p:spTree>
   </p:cSld>
   <p:clrMapOvr>
